--- a/散歩補助アプリ.pptx
+++ b/散歩補助アプリ.pptx
@@ -112,6 +112,11 @@
       </a:defRPr>
     </a:lvl9pPr>
   </p:defaultTextStyle>
+  <p:extLst>
+    <p:ext uri="{EFAFB233-063F-42B5-8137-9DF3F51BA10A}">
+      <p15:sldGuideLst xmlns:p15="http://schemas.microsoft.com/office/powerpoint/2012/main"/>
+    </p:ext>
+  </p:extLst>
 </p:presentation>
 </file>
 
@@ -303,7 +308,7 @@
           <a:p>
             <a:fld id="{95BD1843-7E8D-4697-AE50-301893F1598B}" type="datetimeFigureOut">
               <a:rPr kumimoji="1" lang="ja-JP" altLang="en-US" smtClean="0"/>
-              <a:t>2014/7/24</a:t>
+              <a:t>2014/7/25</a:t>
             </a:fld>
             <a:endParaRPr kumimoji="1" lang="ja-JP" altLang="en-US"/>
           </a:p>
@@ -641,7 +646,7 @@
           <a:p>
             <a:fld id="{95BD1843-7E8D-4697-AE50-301893F1598B}" type="datetimeFigureOut">
               <a:rPr kumimoji="1" lang="ja-JP" altLang="en-US" smtClean="0"/>
-              <a:t>2014/7/24</a:t>
+              <a:t>2014/7/25</a:t>
             </a:fld>
             <a:endParaRPr kumimoji="1" lang="ja-JP" altLang="en-US"/>
           </a:p>
@@ -1042,7 +1047,7 @@
           <a:p>
             <a:fld id="{95BD1843-7E8D-4697-AE50-301893F1598B}" type="datetimeFigureOut">
               <a:rPr kumimoji="1" lang="ja-JP" altLang="en-US" smtClean="0"/>
-              <a:t>2014/7/24</a:t>
+              <a:t>2014/7/25</a:t>
             </a:fld>
             <a:endParaRPr kumimoji="1" lang="ja-JP" altLang="en-US"/>
           </a:p>
@@ -1378,7 +1383,7 @@
           <a:p>
             <a:fld id="{95BD1843-7E8D-4697-AE50-301893F1598B}" type="datetimeFigureOut">
               <a:rPr kumimoji="1" lang="ja-JP" altLang="en-US" smtClean="0"/>
-              <a:t>2014/7/24</a:t>
+              <a:t>2014/7/25</a:t>
             </a:fld>
             <a:endParaRPr kumimoji="1" lang="ja-JP" altLang="en-US"/>
           </a:p>
@@ -1698,7 +1703,7 @@
           <a:p>
             <a:fld id="{95BD1843-7E8D-4697-AE50-301893F1598B}" type="datetimeFigureOut">
               <a:rPr kumimoji="1" lang="ja-JP" altLang="en-US" smtClean="0"/>
-              <a:t>2014/7/24</a:t>
+              <a:t>2014/7/25</a:t>
             </a:fld>
             <a:endParaRPr kumimoji="1" lang="ja-JP" altLang="en-US"/>
           </a:p>
@@ -2094,7 +2099,7 @@
           <a:p>
             <a:fld id="{95BD1843-7E8D-4697-AE50-301893F1598B}" type="datetimeFigureOut">
               <a:rPr kumimoji="1" lang="ja-JP" altLang="en-US" smtClean="0"/>
-              <a:t>2014/7/24</a:t>
+              <a:t>2014/7/25</a:t>
             </a:fld>
             <a:endParaRPr kumimoji="1" lang="ja-JP" altLang="en-US"/>
           </a:p>
@@ -2383,7 +2388,7 @@
           <a:p>
             <a:fld id="{95BD1843-7E8D-4697-AE50-301893F1598B}" type="datetimeFigureOut">
               <a:rPr kumimoji="1" lang="ja-JP" altLang="en-US" smtClean="0"/>
-              <a:t>2014/7/24</a:t>
+              <a:t>2014/7/25</a:t>
             </a:fld>
             <a:endParaRPr kumimoji="1" lang="ja-JP" altLang="en-US"/>
           </a:p>
@@ -2677,7 +2682,7 @@
           <a:p>
             <a:fld id="{95BD1843-7E8D-4697-AE50-301893F1598B}" type="datetimeFigureOut">
               <a:rPr kumimoji="1" lang="ja-JP" altLang="en-US" smtClean="0"/>
-              <a:t>2014/7/24</a:t>
+              <a:t>2014/7/25</a:t>
             </a:fld>
             <a:endParaRPr kumimoji="1" lang="ja-JP" altLang="en-US"/>
           </a:p>
@@ -2971,7 +2976,7 @@
           <a:p>
             <a:fld id="{95BD1843-7E8D-4697-AE50-301893F1598B}" type="datetimeFigureOut">
               <a:rPr kumimoji="1" lang="ja-JP" altLang="en-US" smtClean="0"/>
-              <a:t>2014/7/24</a:t>
+              <a:t>2014/7/25</a:t>
             </a:fld>
             <a:endParaRPr kumimoji="1" lang="ja-JP" altLang="en-US"/>
           </a:p>
@@ -3300,7 +3305,7 @@
           <a:p>
             <a:fld id="{95BD1843-7E8D-4697-AE50-301893F1598B}" type="datetimeFigureOut">
               <a:rPr kumimoji="1" lang="ja-JP" altLang="en-US" smtClean="0"/>
-              <a:t>2014/7/24</a:t>
+              <a:t>2014/7/25</a:t>
             </a:fld>
             <a:endParaRPr kumimoji="1" lang="ja-JP" altLang="en-US"/>
           </a:p>
@@ -3687,7 +3692,7 @@
           <a:p>
             <a:fld id="{95BD1843-7E8D-4697-AE50-301893F1598B}" type="datetimeFigureOut">
               <a:rPr kumimoji="1" lang="ja-JP" altLang="en-US" smtClean="0"/>
-              <a:t>2014/7/24</a:t>
+              <a:t>2014/7/25</a:t>
             </a:fld>
             <a:endParaRPr kumimoji="1" lang="ja-JP" altLang="en-US"/>
           </a:p>
@@ -4208,7 +4213,7 @@
           <a:p>
             <a:fld id="{95BD1843-7E8D-4697-AE50-301893F1598B}" type="datetimeFigureOut">
               <a:rPr kumimoji="1" lang="ja-JP" altLang="en-US" smtClean="0"/>
-              <a:t>2014/7/24</a:t>
+              <a:t>2014/7/25</a:t>
             </a:fld>
             <a:endParaRPr kumimoji="1" lang="ja-JP" altLang="en-US"/>
           </a:p>
@@ -4413,7 +4418,7 @@
           <a:p>
             <a:fld id="{95BD1843-7E8D-4697-AE50-301893F1598B}" type="datetimeFigureOut">
               <a:rPr kumimoji="1" lang="ja-JP" altLang="en-US" smtClean="0"/>
-              <a:t>2014/7/24</a:t>
+              <a:t>2014/7/25</a:t>
             </a:fld>
             <a:endParaRPr kumimoji="1" lang="ja-JP" altLang="en-US"/>
           </a:p>
@@ -4590,7 +4595,7 @@
           <a:p>
             <a:fld id="{95BD1843-7E8D-4697-AE50-301893F1598B}" type="datetimeFigureOut">
               <a:rPr kumimoji="1" lang="ja-JP" altLang="en-US" smtClean="0"/>
-              <a:t>2014/7/24</a:t>
+              <a:t>2014/7/25</a:t>
             </a:fld>
             <a:endParaRPr kumimoji="1" lang="ja-JP" altLang="en-US"/>
           </a:p>
@@ -4955,7 +4960,7 @@
           <a:p>
             <a:fld id="{95BD1843-7E8D-4697-AE50-301893F1598B}" type="datetimeFigureOut">
               <a:rPr kumimoji="1" lang="ja-JP" altLang="en-US" smtClean="0"/>
-              <a:t>2014/7/24</a:t>
+              <a:t>2014/7/25</a:t>
             </a:fld>
             <a:endParaRPr kumimoji="1" lang="ja-JP" altLang="en-US"/>
           </a:p>
@@ -5300,7 +5305,7 @@
           <a:p>
             <a:fld id="{95BD1843-7E8D-4697-AE50-301893F1598B}" type="datetimeFigureOut">
               <a:rPr kumimoji="1" lang="ja-JP" altLang="en-US" smtClean="0"/>
-              <a:t>2014/7/24</a:t>
+              <a:t>2014/7/25</a:t>
             </a:fld>
             <a:endParaRPr kumimoji="1" lang="ja-JP" altLang="en-US"/>
           </a:p>
@@ -7449,7 +7454,7 @@
           <a:p>
             <a:fld id="{95BD1843-7E8D-4697-AE50-301893F1598B}" type="datetimeFigureOut">
               <a:rPr kumimoji="1" lang="ja-JP" altLang="en-US" smtClean="0"/>
-              <a:t>2014/7/24</a:t>
+              <a:t>2014/7/25</a:t>
             </a:fld>
             <a:endParaRPr kumimoji="1" lang="ja-JP" altLang="en-US"/>
           </a:p>
@@ -8368,332 +8373,121 @@
           <a:chExt cx="0" cy="0"/>
         </a:xfrm>
       </p:grpSpPr>
-      <p:sp>
-        <p:nvSpPr>
-          <p:cNvPr id="3" name="コンテンツ プレースホルダー 2"/>
-          <p:cNvSpPr>
-            <a:spLocks noGrp="1"/>
-          </p:cNvSpPr>
+      <p:pic>
+        <p:nvPicPr>
+          <p:cNvPr id="7" name="コンテンツ プレースホルダー 6"/>
+          <p:cNvPicPr>
+            <a:picLocks noGrp="1" noChangeAspect="1"/>
+          </p:cNvPicPr>
           <p:nvPr>
             <p:ph idx="1"/>
           </p:nvPr>
-        </p:nvSpPr>
+        </p:nvPicPr>
+        <p:blipFill>
+          <a:blip r:embed="rId2">
+            <a:extLst>
+              <a:ext uri="{28A0092B-C50C-407E-A947-70E740481C1C}">
+                <a14:useLocalDpi xmlns:a14="http://schemas.microsoft.com/office/drawing/2010/main" val="0"/>
+              </a:ext>
+            </a:extLst>
+          </a:blip>
+          <a:stretch>
+            <a:fillRect/>
+          </a:stretch>
+        </p:blipFill>
         <p:spPr>
           <a:xfrm>
-            <a:off x="1857692" y="1341882"/>
-            <a:ext cx="8915400" cy="4852416"/>
+            <a:off x="2083633" y="920675"/>
+            <a:ext cx="7985880" cy="4991175"/>
           </a:xfrm>
         </p:spPr>
-        <p:txBody>
-          <a:bodyPr>
-            <a:normAutofit/>
-          </a:bodyPr>
+      </p:pic>
+      <p:sp>
+        <p:nvSpPr>
+          <p:cNvPr id="11" name="正方形/長方形 10"/>
+          <p:cNvSpPr/>
+          <p:nvPr/>
+        </p:nvSpPr>
+        <p:spPr>
+          <a:xfrm>
+            <a:off x="4046706" y="2383276"/>
+            <a:ext cx="379379" cy="136187"/>
+          </a:xfrm>
+          <a:prstGeom prst="rect">
+            <a:avLst/>
+          </a:prstGeom>
+          <a:solidFill>
+            <a:schemeClr val="tx1"/>
+          </a:solidFill>
+        </p:spPr>
+        <p:style>
+          <a:lnRef idx="2">
+            <a:schemeClr val="accent1">
+              <a:shade val="50000"/>
+            </a:schemeClr>
+          </a:lnRef>
+          <a:fillRef idx="1">
+            <a:schemeClr val="accent1"/>
+          </a:fillRef>
+          <a:effectRef idx="0">
+            <a:schemeClr val="accent1"/>
+          </a:effectRef>
+          <a:fontRef idx="minor">
+            <a:schemeClr val="lt1"/>
+          </a:fontRef>
+        </p:style>
+        <p:txBody>
+          <a:bodyPr rtlCol="0" anchor="ctr"/>
           <a:lstStyle/>
           <a:p>
-            <a:pPr marL="0" indent="0">
-              <a:buNone/>
-            </a:pPr>
-            <a:endParaRPr lang="en-US" altLang="ja-JP" dirty="0" smtClean="0"/>
-          </a:p>
-          <a:p>
-            <a:pPr marL="0" indent="0">
-              <a:buNone/>
-            </a:pPr>
-            <a:endParaRPr lang="en-US" altLang="ja-JP" dirty="0"/>
-          </a:p>
-          <a:p>
-            <a:pPr marL="0" indent="0">
-              <a:buNone/>
-            </a:pPr>
-            <a:endParaRPr lang="en-US" altLang="ja-JP" dirty="0" smtClean="0"/>
-          </a:p>
-          <a:p>
-            <a:pPr marL="0" indent="0">
-              <a:buNone/>
-            </a:pPr>
-            <a:endParaRPr lang="en-US" altLang="ja-JP" dirty="0"/>
-          </a:p>
-          <a:p>
-            <a:pPr marL="0" indent="0">
-              <a:buNone/>
-            </a:pPr>
-            <a:endParaRPr lang="en-US" altLang="ja-JP" dirty="0" smtClean="0"/>
-          </a:p>
-          <a:p>
-            <a:pPr marL="0" indent="0">
-              <a:buNone/>
-            </a:pPr>
-            <a:endParaRPr lang="en-US" altLang="ja-JP" dirty="0"/>
-          </a:p>
-          <a:p>
-            <a:pPr marL="0" indent="0">
-              <a:buNone/>
-            </a:pPr>
-            <a:endParaRPr lang="en-US" altLang="ja-JP" dirty="0"/>
-          </a:p>
-          <a:p>
-            <a:pPr marL="0" indent="0">
-              <a:buNone/>
-            </a:pPr>
-            <a:endParaRPr lang="en-US" altLang="ja-JP" dirty="0" smtClean="0"/>
-          </a:p>
-          <a:p>
-            <a:pPr marL="0" indent="0">
-              <a:buNone/>
-            </a:pPr>
-            <a:endParaRPr lang="en-US" altLang="ja-JP" dirty="0"/>
-          </a:p>
-          <a:p>
-            <a:pPr marL="0" indent="0">
-              <a:buNone/>
-            </a:pPr>
-            <a:endParaRPr lang="en-US" altLang="ja-JP" dirty="0" smtClean="0"/>
-          </a:p>
-          <a:p>
-            <a:pPr marL="0" indent="0">
-              <a:buNone/>
-            </a:pPr>
-            <a:endParaRPr lang="en-US" altLang="ja-JP" dirty="0" smtClean="0"/>
-          </a:p>
-          <a:p>
-            <a:pPr marL="0" indent="0" algn="r">
-              <a:buNone/>
-            </a:pPr>
-            <a:r>
-              <a:rPr lang="en-US" altLang="ja-JP" dirty="0" smtClean="0"/>
-              <a:t>※</a:t>
-            </a:r>
-            <a:r>
-              <a:rPr lang="ja-JP" altLang="en-US" dirty="0" smtClean="0"/>
-              <a:t>画面は開発途中のものです</a:t>
-            </a:r>
-            <a:endParaRPr kumimoji="1" lang="en-US" altLang="ja-JP" dirty="0" smtClean="0"/>
-          </a:p>
-          <a:p>
-            <a:endParaRPr lang="en-US" altLang="ja-JP" dirty="0"/>
-          </a:p>
-          <a:p>
-            <a:endParaRPr kumimoji="1" lang="ja-JP" altLang="en-US" dirty="0"/>
-          </a:p>
-        </p:txBody>
-      </p:sp>
-      <p:grpSp>
-        <p:nvGrpSpPr>
-          <p:cNvPr id="10" name="グループ化 9"/>
-          <p:cNvGrpSpPr/>
+            <a:pPr algn="ctr"/>
+            <a:endParaRPr kumimoji="1" lang="ja-JP" altLang="en-US"/>
+          </a:p>
+        </p:txBody>
+      </p:sp>
+      <p:sp>
+        <p:nvSpPr>
+          <p:cNvPr id="12" name="正方形/長方形 11"/>
+          <p:cNvSpPr/>
           <p:nvPr/>
-        </p:nvGrpSpPr>
-        <p:grpSpPr>
+        </p:nvSpPr>
+        <p:spPr>
           <a:xfrm>
-            <a:off x="2463939" y="816864"/>
-            <a:ext cx="7702906" cy="4814316"/>
-            <a:chOff x="2463939" y="816864"/>
-            <a:chExt cx="7702906" cy="4814316"/>
+            <a:off x="4140740" y="2973420"/>
+            <a:ext cx="379379" cy="136187"/>
           </a:xfrm>
-        </p:grpSpPr>
-        <p:pic>
-          <p:nvPicPr>
-            <p:cNvPr id="4" name="図 3"/>
-            <p:cNvPicPr>
-              <a:picLocks noChangeAspect="1"/>
-            </p:cNvPicPr>
-            <p:nvPr/>
-          </p:nvPicPr>
-          <p:blipFill>
-            <a:blip r:embed="rId2">
-              <a:extLst>
-                <a:ext uri="{28A0092B-C50C-407E-A947-70E740481C1C}">
-                  <a14:useLocalDpi xmlns:a14="http://schemas.microsoft.com/office/drawing/2010/main" val="0"/>
-                </a:ext>
-              </a:extLst>
-            </a:blip>
-            <a:stretch>
-              <a:fillRect/>
-            </a:stretch>
-          </p:blipFill>
-          <p:spPr>
-            <a:xfrm>
-              <a:off x="2463939" y="816864"/>
-              <a:ext cx="7702906" cy="4814316"/>
-            </a:xfrm>
-            <a:prstGeom prst="rect">
-              <a:avLst/>
-            </a:prstGeom>
-          </p:spPr>
-        </p:pic>
-        <p:sp>
-          <p:nvSpPr>
-            <p:cNvPr id="5" name="正方形/長方形 4"/>
-            <p:cNvSpPr/>
-            <p:nvPr/>
-          </p:nvSpPr>
-          <p:spPr>
-            <a:xfrm>
-              <a:off x="4437888" y="2206752"/>
-              <a:ext cx="670560" cy="158496"/>
-            </a:xfrm>
-            <a:prstGeom prst="rect">
-              <a:avLst/>
-            </a:prstGeom>
-            <a:solidFill>
-              <a:schemeClr val="tx1"/>
-            </a:solidFill>
-          </p:spPr>
-          <p:style>
-            <a:lnRef idx="2">
-              <a:schemeClr val="accent1">
-                <a:shade val="50000"/>
-              </a:schemeClr>
-            </a:lnRef>
-            <a:fillRef idx="1">
-              <a:schemeClr val="accent1"/>
-            </a:fillRef>
-            <a:effectRef idx="0">
-              <a:schemeClr val="accent1"/>
-            </a:effectRef>
-            <a:fontRef idx="minor">
-              <a:schemeClr val="lt1"/>
-            </a:fontRef>
-          </p:style>
-          <p:txBody>
-            <a:bodyPr rtlCol="0" anchor="ctr"/>
-            <a:lstStyle/>
-            <a:p>
-              <a:pPr algn="ctr"/>
-              <a:endParaRPr kumimoji="1" lang="ja-JP" altLang="en-US"/>
-            </a:p>
-          </p:txBody>
-        </p:sp>
-        <p:sp>
-          <p:nvSpPr>
-            <p:cNvPr id="6" name="正方形/長方形 5"/>
-            <p:cNvSpPr/>
-            <p:nvPr/>
-          </p:nvSpPr>
-          <p:spPr>
-            <a:xfrm>
-              <a:off x="4346448" y="2731770"/>
-              <a:ext cx="762000" cy="255270"/>
-            </a:xfrm>
-            <a:prstGeom prst="rect">
-              <a:avLst/>
-            </a:prstGeom>
-            <a:solidFill>
-              <a:schemeClr val="tx1"/>
-            </a:solidFill>
-          </p:spPr>
-          <p:style>
-            <a:lnRef idx="2">
-              <a:schemeClr val="accent1">
-                <a:shade val="50000"/>
-              </a:schemeClr>
-            </a:lnRef>
-            <a:fillRef idx="1">
-              <a:schemeClr val="accent1"/>
-            </a:fillRef>
-            <a:effectRef idx="0">
-              <a:schemeClr val="accent1"/>
-            </a:effectRef>
-            <a:fontRef idx="minor">
-              <a:schemeClr val="lt1"/>
-            </a:fontRef>
-          </p:style>
-          <p:txBody>
-            <a:bodyPr rtlCol="0" anchor="ctr"/>
-            <a:lstStyle/>
-            <a:p>
-              <a:pPr algn="ctr"/>
-              <a:endParaRPr kumimoji="1" lang="ja-JP" altLang="en-US"/>
-            </a:p>
-          </p:txBody>
-        </p:sp>
-        <p:sp>
-          <p:nvSpPr>
-            <p:cNvPr id="8" name="正方形/長方形 7"/>
-            <p:cNvSpPr/>
-            <p:nvPr/>
-          </p:nvSpPr>
-          <p:spPr>
-            <a:xfrm>
-              <a:off x="4346448" y="3609594"/>
-              <a:ext cx="670560" cy="158496"/>
-            </a:xfrm>
-            <a:prstGeom prst="rect">
-              <a:avLst/>
-            </a:prstGeom>
-            <a:solidFill>
-              <a:schemeClr val="tx1"/>
-            </a:solidFill>
-          </p:spPr>
-          <p:style>
-            <a:lnRef idx="2">
-              <a:schemeClr val="accent1">
-                <a:shade val="50000"/>
-              </a:schemeClr>
-            </a:lnRef>
-            <a:fillRef idx="1">
-              <a:schemeClr val="accent1"/>
-            </a:fillRef>
-            <a:effectRef idx="0">
-              <a:schemeClr val="accent1"/>
-            </a:effectRef>
-            <a:fontRef idx="minor">
-              <a:schemeClr val="lt1"/>
-            </a:fontRef>
-          </p:style>
-          <p:txBody>
-            <a:bodyPr rtlCol="0" anchor="ctr"/>
-            <a:lstStyle/>
-            <a:p>
-              <a:pPr algn="ctr"/>
-              <a:endParaRPr kumimoji="1" lang="ja-JP" altLang="en-US"/>
-            </a:p>
-          </p:txBody>
-        </p:sp>
-        <p:sp>
-          <p:nvSpPr>
-            <p:cNvPr id="9" name="正方形/長方形 8"/>
-            <p:cNvSpPr/>
-            <p:nvPr/>
-          </p:nvSpPr>
-          <p:spPr>
-            <a:xfrm>
-              <a:off x="4437888" y="3839337"/>
-              <a:ext cx="670560" cy="158496"/>
-            </a:xfrm>
-            <a:prstGeom prst="rect">
-              <a:avLst/>
-            </a:prstGeom>
-            <a:solidFill>
-              <a:schemeClr val="tx1"/>
-            </a:solidFill>
-          </p:spPr>
-          <p:style>
-            <a:lnRef idx="2">
-              <a:schemeClr val="accent1">
-                <a:shade val="50000"/>
-              </a:schemeClr>
-            </a:lnRef>
-            <a:fillRef idx="1">
-              <a:schemeClr val="accent1"/>
-            </a:fillRef>
-            <a:effectRef idx="0">
-              <a:schemeClr val="accent1"/>
-            </a:effectRef>
-            <a:fontRef idx="minor">
-              <a:schemeClr val="lt1"/>
-            </a:fontRef>
-          </p:style>
-          <p:txBody>
-            <a:bodyPr rtlCol="0" anchor="ctr"/>
-            <a:lstStyle/>
-            <a:p>
-              <a:pPr algn="ctr"/>
-              <a:endParaRPr kumimoji="1" lang="ja-JP" altLang="en-US"/>
-            </a:p>
-          </p:txBody>
-        </p:sp>
-      </p:grpSp>
+          <a:prstGeom prst="rect">
+            <a:avLst/>
+          </a:prstGeom>
+          <a:solidFill>
+            <a:schemeClr val="tx1"/>
+          </a:solidFill>
+        </p:spPr>
+        <p:style>
+          <a:lnRef idx="2">
+            <a:schemeClr val="accent1">
+              <a:shade val="50000"/>
+            </a:schemeClr>
+          </a:lnRef>
+          <a:fillRef idx="1">
+            <a:schemeClr val="accent1"/>
+          </a:fillRef>
+          <a:effectRef idx="0">
+            <a:schemeClr val="accent1"/>
+          </a:effectRef>
+          <a:fontRef idx="minor">
+            <a:schemeClr val="lt1"/>
+          </a:fontRef>
+        </p:style>
+        <p:txBody>
+          <a:bodyPr rtlCol="0" anchor="ctr"/>
+          <a:lstStyle/>
+          <a:p>
+            <a:pPr algn="ctr"/>
+            <a:endParaRPr kumimoji="1" lang="ja-JP" altLang="en-US"/>
+          </a:p>
+        </p:txBody>
+      </p:sp>
     </p:spTree>
     <p:extLst>
       <p:ext uri="{BB962C8B-B14F-4D97-AF65-F5344CB8AC3E}">
@@ -9067,7 +8861,7 @@
       </p:sp>
       <p:pic>
         <p:nvPicPr>
-          <p:cNvPr id="4" name="コンテンツ プレースホルダー 3"/>
+          <p:cNvPr id="6" name="コンテンツ プレースホルダー 5"/>
           <p:cNvPicPr>
             <a:picLocks noGrp="1" noChangeAspect="1"/>
           </p:cNvPicPr>
@@ -9076,53 +8870,101 @@
           </p:nvPr>
         </p:nvPicPr>
         <p:blipFill>
-          <a:blip r:embed="rId2"/>
+          <a:blip r:embed="rId2">
+            <a:extLst>
+              <a:ext uri="{28A0092B-C50C-407E-A947-70E740481C1C}">
+                <a14:useLocalDpi xmlns:a14="http://schemas.microsoft.com/office/drawing/2010/main" val="0"/>
+              </a:ext>
+            </a:extLst>
+          </a:blip>
           <a:stretch>
             <a:fillRect/>
           </a:stretch>
         </p:blipFill>
         <p:spPr>
           <a:xfrm>
-            <a:off x="2804161" y="1402080"/>
-            <a:ext cx="7096714" cy="4415282"/>
+            <a:off x="2470826" y="1402215"/>
+            <a:ext cx="7199853" cy="4499908"/>
+          </a:xfrm>
+        </p:spPr>
+      </p:pic>
+      <p:sp>
+        <p:nvSpPr>
+          <p:cNvPr id="7" name="正方形/長方形 6"/>
+          <p:cNvSpPr/>
+          <p:nvPr/>
+        </p:nvSpPr>
+        <p:spPr>
+          <a:xfrm>
+            <a:off x="4243885" y="2722016"/>
+            <a:ext cx="347572" cy="124452"/>
           </a:xfrm>
           <a:prstGeom prst="rect">
             <a:avLst/>
           </a:prstGeom>
         </p:spPr>
-      </p:pic>
-      <p:sp>
-        <p:nvSpPr>
-          <p:cNvPr id="5" name="テキスト ボックス 4"/>
-          <p:cNvSpPr txBox="1"/>
+        <p:style>
+          <a:lnRef idx="2">
+            <a:schemeClr val="accent1">
+              <a:shade val="50000"/>
+            </a:schemeClr>
+          </a:lnRef>
+          <a:fillRef idx="1">
+            <a:schemeClr val="accent1"/>
+          </a:fillRef>
+          <a:effectRef idx="0">
+            <a:schemeClr val="accent1"/>
+          </a:effectRef>
+          <a:fontRef idx="minor">
+            <a:schemeClr val="lt1"/>
+          </a:fontRef>
+        </p:style>
+        <p:txBody>
+          <a:bodyPr rtlCol="0" anchor="ctr"/>
+          <a:lstStyle/>
+          <a:p>
+            <a:pPr algn="ctr"/>
+            <a:endParaRPr kumimoji="1" lang="ja-JP" altLang="en-US"/>
+          </a:p>
+        </p:txBody>
+      </p:sp>
+      <p:sp>
+        <p:nvSpPr>
+          <p:cNvPr id="8" name="正方形/長方形 7"/>
+          <p:cNvSpPr/>
           <p:nvPr/>
         </p:nvSpPr>
         <p:spPr>
           <a:xfrm>
-            <a:off x="7048768" y="6010656"/>
-            <a:ext cx="3185487" cy="369332"/>
+            <a:off x="4319080" y="3248775"/>
+            <a:ext cx="350197" cy="146178"/>
           </a:xfrm>
           <a:prstGeom prst="rect">
             <a:avLst/>
           </a:prstGeom>
-          <a:noFill/>
         </p:spPr>
-        <p:txBody>
-          <a:bodyPr wrap="none" rtlCol="0">
-            <a:spAutoFit/>
-          </a:bodyPr>
+        <p:style>
+          <a:lnRef idx="2">
+            <a:schemeClr val="accent1">
+              <a:shade val="50000"/>
+            </a:schemeClr>
+          </a:lnRef>
+          <a:fillRef idx="1">
+            <a:schemeClr val="accent1"/>
+          </a:fillRef>
+          <a:effectRef idx="0">
+            <a:schemeClr val="accent1"/>
+          </a:effectRef>
+          <a:fontRef idx="minor">
+            <a:schemeClr val="lt1"/>
+          </a:fontRef>
+        </p:style>
+        <p:txBody>
+          <a:bodyPr rtlCol="0" anchor="ctr"/>
           <a:lstStyle/>
           <a:p>
-            <a:pPr algn="r"/>
-            <a:r>
-              <a:rPr lang="en-US" altLang="ja-JP" dirty="0" smtClean="0"/>
-              <a:t>※</a:t>
-            </a:r>
-            <a:r>
-              <a:rPr lang="ja-JP" altLang="en-US" dirty="0" smtClean="0"/>
-              <a:t>画面は開発途中のものです</a:t>
-            </a:r>
-            <a:endParaRPr lang="en-US" altLang="ja-JP" dirty="0"/>
+            <a:pPr algn="ctr"/>
+            <a:endParaRPr kumimoji="1" lang="ja-JP" altLang="en-US"/>
           </a:p>
         </p:txBody>
       </p:sp>

--- a/散歩補助アプリ.pptx
+++ b/散歩補助アプリ.pptx
@@ -8,12 +8,14 @@
     <p:sldId id="256" r:id="rId2"/>
     <p:sldId id="259" r:id="rId3"/>
     <p:sldId id="258" r:id="rId4"/>
-    <p:sldId id="260" r:id="rId5"/>
-    <p:sldId id="261" r:id="rId6"/>
-    <p:sldId id="262" r:id="rId7"/>
-    <p:sldId id="263" r:id="rId8"/>
-    <p:sldId id="264" r:id="rId9"/>
-    <p:sldId id="265" r:id="rId10"/>
+    <p:sldId id="267" r:id="rId5"/>
+    <p:sldId id="266" r:id="rId6"/>
+    <p:sldId id="260" r:id="rId7"/>
+    <p:sldId id="261" r:id="rId8"/>
+    <p:sldId id="262" r:id="rId9"/>
+    <p:sldId id="263" r:id="rId10"/>
+    <p:sldId id="264" r:id="rId11"/>
+    <p:sldId id="265" r:id="rId12"/>
   </p:sldIdLst>
   <p:sldSz cx="12192000" cy="6858000"/>
   <p:notesSz cx="6858000" cy="9144000"/>
@@ -8044,6 +8046,268 @@
 </p:sld>
 </file>
 
+<file path=ppt/slides/slide10.xml><?xml version="1.0" encoding="utf-8"?>
+<p:sld xmlns:a="http://schemas.openxmlformats.org/drawingml/2006/main" xmlns:r="http://schemas.openxmlformats.org/officeDocument/2006/relationships" xmlns:p="http://schemas.openxmlformats.org/presentationml/2006/main">
+  <p:cSld>
+    <p:spTree>
+      <p:nvGrpSpPr>
+        <p:cNvPr id="1" name=""/>
+        <p:cNvGrpSpPr/>
+        <p:nvPr/>
+      </p:nvGrpSpPr>
+      <p:grpSpPr>
+        <a:xfrm>
+          <a:off x="0" y="0"/>
+          <a:ext cx="0" cy="0"/>
+          <a:chOff x="0" y="0"/>
+          <a:chExt cx="0" cy="0"/>
+        </a:xfrm>
+      </p:grpSpPr>
+      <p:sp>
+        <p:nvSpPr>
+          <p:cNvPr id="2" name="タイトル 1"/>
+          <p:cNvSpPr>
+            <a:spLocks noGrp="1"/>
+          </p:cNvSpPr>
+          <p:nvPr>
+            <p:ph type="title"/>
+          </p:nvPr>
+        </p:nvSpPr>
+        <p:spPr/>
+        <p:txBody>
+          <a:bodyPr/>
+          <a:lstStyle/>
+          <a:p>
+            <a:r>
+              <a:rPr lang="ja-JP" altLang="en-US" dirty="0"/>
+              <a:t>感想</a:t>
+            </a:r>
+            <a:endParaRPr kumimoji="1" lang="ja-JP" altLang="en-US" dirty="0"/>
+          </a:p>
+        </p:txBody>
+      </p:sp>
+      <p:sp>
+        <p:nvSpPr>
+          <p:cNvPr id="3" name="コンテンツ プレースホルダー 2"/>
+          <p:cNvSpPr>
+            <a:spLocks noGrp="1"/>
+          </p:cNvSpPr>
+          <p:nvPr>
+            <p:ph idx="1"/>
+          </p:nvPr>
+        </p:nvSpPr>
+        <p:spPr/>
+        <p:txBody>
+          <a:bodyPr/>
+          <a:lstStyle/>
+          <a:p>
+            <a:r>
+              <a:rPr kumimoji="1" lang="ja-JP" altLang="en-US" dirty="0" smtClean="0"/>
+              <a:t>初めて</a:t>
+            </a:r>
+            <a:r>
+              <a:rPr kumimoji="1" lang="en-US" altLang="ja-JP" dirty="0" smtClean="0"/>
+              <a:t>Android</a:t>
+            </a:r>
+            <a:r>
+              <a:rPr kumimoji="1" lang="ja-JP" altLang="en-US" dirty="0" smtClean="0"/>
+              <a:t>アプリなので個人的に</a:t>
+            </a:r>
+            <a:r>
+              <a:rPr lang="ja-JP" altLang="en-US" dirty="0" smtClean="0"/>
+              <a:t>欲しいものを作成した</a:t>
+            </a:r>
+            <a:endParaRPr lang="en-US" altLang="ja-JP" dirty="0" smtClean="0"/>
+          </a:p>
+          <a:p>
+            <a:pPr lvl="1"/>
+            <a:r>
+              <a:rPr lang="ja-JP" altLang="en-US" dirty="0" smtClean="0"/>
+              <a:t>能力不足のため製作物を変更してしまったのが悔やまれる</a:t>
+            </a:r>
+            <a:endParaRPr lang="en-US" altLang="ja-JP" dirty="0" smtClean="0"/>
+          </a:p>
+          <a:p>
+            <a:pPr lvl="1"/>
+            <a:endParaRPr kumimoji="1" lang="en-US" altLang="ja-JP" dirty="0"/>
+          </a:p>
+          <a:p>
+            <a:r>
+              <a:rPr kumimoji="1" lang="ja-JP" altLang="en-US" dirty="0" smtClean="0"/>
+              <a:t>ネットワーク経由なので</a:t>
+            </a:r>
+            <a:r>
+              <a:rPr kumimoji="1" lang="en-US" altLang="ja-JP" dirty="0" err="1" smtClean="0"/>
+              <a:t>Wi-fi</a:t>
+            </a:r>
+            <a:r>
+              <a:rPr kumimoji="1" lang="ja-JP" altLang="en-US" dirty="0" smtClean="0"/>
+              <a:t>環境がないと使えない</a:t>
+            </a:r>
+            <a:endParaRPr kumimoji="1" lang="en-US" altLang="ja-JP" dirty="0" smtClean="0"/>
+          </a:p>
+          <a:p>
+            <a:pPr lvl="1"/>
+            <a:r>
+              <a:rPr lang="ja-JP" altLang="en-US" dirty="0" smtClean="0"/>
+              <a:t>使うにはテザリングか</a:t>
+            </a:r>
+            <a:r>
+              <a:rPr lang="en-US" altLang="ja-JP" dirty="0" smtClean="0"/>
+              <a:t>GPS</a:t>
+            </a:r>
+            <a:r>
+              <a:rPr lang="ja-JP" altLang="en-US" dirty="0" smtClean="0"/>
+              <a:t>の実装か</a:t>
+            </a:r>
+            <a:r>
+              <a:rPr lang="en-US" altLang="ja-JP" dirty="0" smtClean="0"/>
+              <a:t>…</a:t>
+            </a:r>
+          </a:p>
+          <a:p>
+            <a:pPr lvl="1"/>
+            <a:endParaRPr kumimoji="1" lang="en-US" altLang="ja-JP" dirty="0" smtClean="0"/>
+          </a:p>
+          <a:p>
+            <a:r>
+              <a:rPr kumimoji="1" lang="ja-JP" altLang="en-US" dirty="0" smtClean="0"/>
+              <a:t>改良点（実際に使ってみて）</a:t>
+            </a:r>
+            <a:endParaRPr kumimoji="1" lang="en-US" altLang="ja-JP" dirty="0" smtClean="0"/>
+          </a:p>
+          <a:p>
+            <a:pPr lvl="1"/>
+            <a:r>
+              <a:rPr kumimoji="1" lang="ja-JP" altLang="en-US" dirty="0" smtClean="0"/>
+              <a:t>緯度経度が分かっても意味がない　→　住所 </a:t>
+            </a:r>
+            <a:r>
+              <a:rPr kumimoji="1" lang="en-US" altLang="ja-JP" dirty="0" smtClean="0"/>
+              <a:t>or </a:t>
+            </a:r>
+            <a:r>
+              <a:rPr kumimoji="1" lang="en-US" altLang="ja-JP" dirty="0" err="1" smtClean="0"/>
+              <a:t>GoogleMap</a:t>
+            </a:r>
+            <a:endParaRPr kumimoji="1" lang="en-US" altLang="ja-JP" dirty="0" smtClean="0"/>
+          </a:p>
+          <a:p>
+            <a:pPr lvl="1"/>
+            <a:r>
+              <a:rPr lang="ja-JP" altLang="en-US" dirty="0" smtClean="0"/>
+              <a:t>距離でなく道のりが欲しい　→　保存できる数の拡大など</a:t>
+            </a:r>
+            <a:endParaRPr kumimoji="1" lang="ja-JP" altLang="en-US" dirty="0"/>
+          </a:p>
+        </p:txBody>
+      </p:sp>
+    </p:spTree>
+    <p:extLst>
+      <p:ext uri="{BB962C8B-B14F-4D97-AF65-F5344CB8AC3E}">
+        <p14:creationId xmlns:p14="http://schemas.microsoft.com/office/powerpoint/2010/main" val="1696713026"/>
+      </p:ext>
+    </p:extLst>
+  </p:cSld>
+  <p:clrMapOvr>
+    <a:masterClrMapping/>
+  </p:clrMapOvr>
+  <p:timing>
+    <p:tnLst>
+      <p:par>
+        <p:cTn id="1" dur="indefinite" restart="never" nodeType="tmRoot"/>
+      </p:par>
+    </p:tnLst>
+  </p:timing>
+</p:sld>
+</file>
+
+<file path=ppt/slides/slide11.xml><?xml version="1.0" encoding="utf-8"?>
+<p:sld xmlns:a="http://schemas.openxmlformats.org/drawingml/2006/main" xmlns:r="http://schemas.openxmlformats.org/officeDocument/2006/relationships" xmlns:p="http://schemas.openxmlformats.org/presentationml/2006/main">
+  <p:cSld>
+    <p:spTree>
+      <p:nvGrpSpPr>
+        <p:cNvPr id="1" name=""/>
+        <p:cNvGrpSpPr/>
+        <p:nvPr/>
+      </p:nvGrpSpPr>
+      <p:grpSpPr>
+        <a:xfrm>
+          <a:off x="0" y="0"/>
+          <a:ext cx="0" cy="0"/>
+          <a:chOff x="0" y="0"/>
+          <a:chExt cx="0" cy="0"/>
+        </a:xfrm>
+      </p:grpSpPr>
+      <p:sp>
+        <p:nvSpPr>
+          <p:cNvPr id="2" name="タイトル 1"/>
+          <p:cNvSpPr>
+            <a:spLocks noGrp="1"/>
+          </p:cNvSpPr>
+          <p:nvPr>
+            <p:ph type="title"/>
+          </p:nvPr>
+        </p:nvSpPr>
+        <p:spPr>
+          <a:xfrm>
+            <a:off x="2032093" y="2306606"/>
+            <a:ext cx="8911687" cy="2058130"/>
+          </a:xfrm>
+        </p:spPr>
+        <p:txBody>
+          <a:bodyPr>
+            <a:normAutofit/>
+          </a:bodyPr>
+          <a:lstStyle/>
+          <a:p>
+            <a:pPr algn="ctr"/>
+            <a:r>
+              <a:rPr kumimoji="1" lang="ja-JP" altLang="en-US" dirty="0" smtClean="0"/>
+              <a:t>以上で発表を終わります。</a:t>
+            </a:r>
+            <a:r>
+              <a:rPr kumimoji="1" lang="en-US" altLang="ja-JP" dirty="0" smtClean="0"/>
+              <a:t/>
+            </a:r>
+            <a:br>
+              <a:rPr kumimoji="1" lang="en-US" altLang="ja-JP" dirty="0" smtClean="0"/>
+            </a:br>
+            <a:r>
+              <a:rPr kumimoji="1" lang="en-US" altLang="ja-JP" dirty="0" smtClean="0"/>
+              <a:t/>
+            </a:r>
+            <a:br>
+              <a:rPr kumimoji="1" lang="en-US" altLang="ja-JP" dirty="0" smtClean="0"/>
+            </a:br>
+            <a:r>
+              <a:rPr lang="ja-JP" altLang="en-US" dirty="0" smtClean="0"/>
+              <a:t>ご静聴ありがとうございました。</a:t>
+            </a:r>
+            <a:endParaRPr kumimoji="1" lang="ja-JP" altLang="en-US" dirty="0"/>
+          </a:p>
+        </p:txBody>
+      </p:sp>
+    </p:spTree>
+    <p:extLst>
+      <p:ext uri="{BB962C8B-B14F-4D97-AF65-F5344CB8AC3E}">
+        <p14:creationId xmlns:p14="http://schemas.microsoft.com/office/powerpoint/2010/main" val="2281164256"/>
+      </p:ext>
+    </p:extLst>
+  </p:cSld>
+  <p:clrMapOvr>
+    <a:masterClrMapping/>
+  </p:clrMapOvr>
+  <p:timing>
+    <p:tnLst>
+      <p:par>
+        <p:cTn id="1" dur="indefinite" restart="never" nodeType="tmRoot"/>
+      </p:par>
+    </p:tnLst>
+  </p:timing>
+</p:sld>
+</file>
+
 <file path=ppt/slides/slide2.xml><?xml version="1.0" encoding="utf-8"?>
 <p:sld xmlns:a="http://schemas.openxmlformats.org/drawingml/2006/main" xmlns:r="http://schemas.openxmlformats.org/officeDocument/2006/relationships" xmlns:p="http://schemas.openxmlformats.org/presentationml/2006/main">
   <p:cSld>
@@ -8100,6 +8364,13 @@
             <a:normAutofit/>
           </a:bodyPr>
           <a:lstStyle/>
+          <a:p>
+            <a:r>
+              <a:rPr kumimoji="1" lang="ja-JP" altLang="en-US" dirty="0" smtClean="0"/>
+              <a:t>背景</a:t>
+            </a:r>
+            <a:endParaRPr kumimoji="1" lang="en-US" altLang="ja-JP" dirty="0" smtClean="0"/>
+          </a:p>
           <a:p>
             <a:r>
               <a:rPr kumimoji="1" lang="ja-JP" altLang="en-US" dirty="0" smtClean="0"/>
@@ -8199,7 +8470,7 @@
           <a:p>
             <a:r>
               <a:rPr kumimoji="1" lang="ja-JP" altLang="en-US" dirty="0" smtClean="0"/>
-              <a:t>アプリの説明</a:t>
+              <a:t>背景</a:t>
             </a:r>
             <a:endParaRPr kumimoji="1" lang="ja-JP" altLang="en-US" dirty="0"/>
           </a:p>
@@ -8217,12 +8488,14 @@
         </p:nvSpPr>
         <p:spPr/>
         <p:txBody>
-          <a:bodyPr/>
+          <a:bodyPr>
+            <a:normAutofit/>
+          </a:bodyPr>
           <a:lstStyle/>
           <a:p>
             <a:r>
-              <a:rPr kumimoji="1" lang="ja-JP" altLang="en-US" dirty="0" smtClean="0"/>
-              <a:t>どんなアプリ？</a:t>
+              <a:rPr lang="ja-JP" altLang="en-US" dirty="0" smtClean="0"/>
+              <a:t>センサーを使って何を作ろう？</a:t>
             </a:r>
             <a:endParaRPr kumimoji="1" lang="en-US" altLang="ja-JP" dirty="0" smtClean="0"/>
           </a:p>
@@ -8232,25 +8505,67 @@
             </a:pPr>
             <a:r>
               <a:rPr lang="ja-JP" altLang="en-US" sz="1800" dirty="0" smtClean="0"/>
-              <a:t>→　散歩</a:t>
+              <a:t>→　</a:t>
+            </a:r>
+            <a:r>
+              <a:rPr lang="ja-JP" altLang="en-US" sz="1800" dirty="0"/>
+              <a:t>昔</a:t>
+            </a:r>
+            <a:r>
+              <a:rPr lang="ja-JP" altLang="en-US" sz="1800" dirty="0" smtClean="0"/>
+              <a:t>からの目標の</a:t>
             </a:r>
             <a:r>
               <a:rPr lang="en-US" altLang="ja-JP" sz="1800" dirty="0" smtClean="0"/>
-              <a:t>(※)</a:t>
+              <a:t>1</a:t>
+            </a:r>
+            <a:r>
+              <a:rPr lang="ja-JP" altLang="en-US" sz="1800" dirty="0" err="1" smtClean="0"/>
+              <a:t>つだった</a:t>
             </a:r>
             <a:r>
               <a:rPr lang="ja-JP" altLang="en-US" sz="1800" dirty="0" smtClean="0"/>
-              <a:t>を補助してくれます</a:t>
+              <a:t>宇宙を作ろう</a:t>
             </a:r>
             <a:endParaRPr lang="en-US" altLang="ja-JP" sz="1800" dirty="0" smtClean="0"/>
           </a:p>
           <a:p>
+            <a:pPr marL="457200" lvl="1" indent="0">
+              <a:buNone/>
+            </a:pPr>
+            <a:r>
+              <a:rPr lang="ja-JP" altLang="en-US" sz="1800" dirty="0" smtClean="0"/>
+              <a:t>→　リソース準備ムリ、時間</a:t>
+            </a:r>
+            <a:r>
+              <a:rPr lang="en-US" altLang="ja-JP" sz="1800" dirty="0" smtClean="0"/>
+              <a:t>&amp;</a:t>
+            </a:r>
+            <a:r>
+              <a:rPr lang="ja-JP" altLang="en-US" sz="1800" dirty="0" smtClean="0"/>
+              <a:t>能力不足、上位互換</a:t>
+            </a:r>
+            <a:r>
+              <a:rPr lang="en-US" altLang="ja-JP" sz="1800" dirty="0" smtClean="0"/>
+              <a:t>(Google </a:t>
+            </a:r>
+            <a:r>
+              <a:rPr lang="en-US" altLang="ja-JP" sz="1800" dirty="0" err="1" smtClean="0"/>
+              <a:t>SkyMap</a:t>
+            </a:r>
+            <a:r>
+              <a:rPr lang="en-US" altLang="ja-JP" sz="1800" dirty="0" smtClean="0"/>
+              <a:t>)</a:t>
+            </a:r>
+            <a:endParaRPr lang="en-US" altLang="ja-JP" sz="1800" dirty="0" smtClean="0"/>
+          </a:p>
+          <a:p>
             <a:endParaRPr lang="en-US" altLang="ja-JP" dirty="0"/>
           </a:p>
           <a:p>
             <a:r>
-              <a:rPr kumimoji="1" lang="ja-JP" altLang="en-US" dirty="0" smtClean="0"/>
-              <a:t>どんな機能があるの？</a:t>
+              <a:rPr lang="ja-JP" altLang="en-US" dirty="0" smtClean="0"/>
+              <a:t>普段の生活に役立つもの？</a:t>
             </a:r>
             <a:endParaRPr kumimoji="1" lang="en-US" altLang="ja-JP" dirty="0" smtClean="0"/>
           </a:p>
@@ -8263,12 +8578,12 @@
               <a:t>	</a:t>
             </a:r>
             <a:r>
-              <a:rPr lang="ja-JP" altLang="en-US" dirty="0"/>
-              <a:t>・</a:t>
+              <a:rPr lang="ja-JP" altLang="en-US" dirty="0" smtClean="0"/>
+              <a:t>→　</a:t>
             </a:r>
             <a:r>
               <a:rPr kumimoji="1" lang="ja-JP" altLang="en-US" dirty="0" smtClean="0"/>
-              <a:t>現在の時刻・緯度・経度を教えてくれます</a:t>
+              <a:t>趣味をサポートしてくれるもの</a:t>
             </a:r>
             <a:endParaRPr kumimoji="1" lang="en-US" altLang="ja-JP" dirty="0" smtClean="0"/>
           </a:p>
@@ -8281,8 +8596,12 @@
               <a:t>	</a:t>
             </a:r>
             <a:r>
-              <a:rPr lang="ja-JP" altLang="en-US" dirty="0"/>
-              <a:t>・現在の時刻・緯度・経度を保存できます</a:t>
+              <a:rPr lang="ja-JP" altLang="en-US" dirty="0" smtClean="0"/>
+              <a:t>→　趣味ってなんだ</a:t>
+            </a:r>
+            <a:r>
+              <a:rPr lang="en-US" altLang="ja-JP" dirty="0" smtClean="0"/>
+              <a:t>…</a:t>
             </a:r>
           </a:p>
           <a:p>
@@ -8290,49 +8609,22 @@
               <a:buNone/>
             </a:pPr>
             <a:r>
-              <a:rPr lang="en-US" altLang="ja-JP" dirty="0" smtClean="0"/>
+              <a:rPr lang="en-US" altLang="ja-JP" dirty="0"/>
               <a:t>	</a:t>
             </a:r>
             <a:r>
               <a:rPr lang="ja-JP" altLang="en-US" dirty="0" smtClean="0"/>
-              <a:t>・スタート地点からの移動距離・かかった時間・平均時速を教えてくれます</a:t>
-            </a:r>
-          </a:p>
-          <a:p>
-            <a:pPr marL="0" indent="0">
-              <a:buNone/>
-            </a:pPr>
-            <a:endParaRPr lang="en-US" altLang="ja-JP" dirty="0"/>
-          </a:p>
-          <a:p>
-            <a:pPr marL="0" indent="0">
-              <a:buNone/>
-            </a:pPr>
-            <a:r>
-              <a:rPr lang="en-US" altLang="ja-JP" sz="1400" dirty="0" smtClean="0"/>
-              <a:t>(※)</a:t>
-            </a:r>
-            <a:r>
-              <a:rPr lang="ja-JP" altLang="en-US" sz="1400" dirty="0" smtClean="0"/>
-              <a:t>自転車に乗って知らないところまで行くような</a:t>
-            </a:r>
-            <a:r>
-              <a:rPr lang="en-US" altLang="ja-JP" sz="1400" dirty="0" smtClean="0"/>
-              <a:t>”</a:t>
-            </a:r>
-            <a:r>
-              <a:rPr lang="ja-JP" altLang="en-US" sz="1400" dirty="0" smtClean="0"/>
-              <a:t>散歩</a:t>
-            </a:r>
-            <a:r>
-              <a:rPr lang="en-US" altLang="ja-JP" sz="1400" dirty="0" smtClean="0"/>
-              <a:t>”</a:t>
-            </a:r>
-            <a:r>
-              <a:rPr lang="ja-JP" altLang="en-US" sz="1400" dirty="0" smtClean="0"/>
-              <a:t>をイメージしてください</a:t>
-            </a:r>
-            <a:endParaRPr lang="en-US" altLang="ja-JP" sz="1400" dirty="0" smtClean="0"/>
+              <a:t>→　</a:t>
+            </a:r>
+            <a:r>
+              <a:rPr lang="en-US" altLang="ja-JP" dirty="0" err="1" smtClean="0"/>
+              <a:t>Mapion</a:t>
+            </a:r>
+            <a:r>
+              <a:rPr lang="ja-JP" altLang="en-US" dirty="0" smtClean="0"/>
+              <a:t>のキョリ測という奇特な趣味</a:t>
+            </a:r>
+            <a:endParaRPr lang="en-US" altLang="ja-JP" dirty="0" smtClean="0"/>
           </a:p>
         </p:txBody>
       </p:sp>
@@ -8373,9 +8665,32 @@
           <a:chExt cx="0" cy="0"/>
         </a:xfrm>
       </p:grpSpPr>
+      <p:sp>
+        <p:nvSpPr>
+          <p:cNvPr id="2" name="タイトル 1"/>
+          <p:cNvSpPr>
+            <a:spLocks noGrp="1"/>
+          </p:cNvSpPr>
+          <p:nvPr>
+            <p:ph type="title"/>
+          </p:nvPr>
+        </p:nvSpPr>
+        <p:spPr/>
+        <p:txBody>
+          <a:bodyPr/>
+          <a:lstStyle/>
+          <a:p>
+            <a:r>
+              <a:rPr lang="ja-JP" altLang="en-US" dirty="0" smtClean="0"/>
+              <a:t>奇特な趣味？</a:t>
+            </a:r>
+            <a:endParaRPr kumimoji="1" lang="ja-JP" altLang="en-US" dirty="0"/>
+          </a:p>
+        </p:txBody>
+      </p:sp>
       <p:pic>
         <p:nvPicPr>
-          <p:cNvPr id="7" name="コンテンツ プレースホルダー 6"/>
+          <p:cNvPr id="4" name="コンテンツ プレースホルダー 3"/>
           <p:cNvPicPr>
             <a:picLocks noGrp="1" noChangeAspect="1"/>
           </p:cNvPicPr>
@@ -8384,7 +8699,7 @@
           </p:nvPr>
         </p:nvPicPr>
         <p:blipFill>
-          <a:blip r:embed="rId2">
+          <a:blip r:embed="rId2" cstate="print">
             <a:extLst>
               <a:ext uri="{28A0092B-C50C-407E-A947-70E740481C1C}">
                 <a14:useLocalDpi xmlns:a14="http://schemas.microsoft.com/office/drawing/2010/main" val="0"/>
@@ -8397,101 +8712,45 @@
         </p:blipFill>
         <p:spPr>
           <a:xfrm>
-            <a:off x="2083633" y="920675"/>
-            <a:ext cx="7985880" cy="4991175"/>
+            <a:off x="1275716" y="1314269"/>
+            <a:ext cx="4538663" cy="4849177"/>
           </a:xfrm>
         </p:spPr>
       </p:pic>
-      <p:sp>
-        <p:nvSpPr>
-          <p:cNvPr id="11" name="正方形/長方形 10"/>
-          <p:cNvSpPr/>
+      <p:pic>
+        <p:nvPicPr>
+          <p:cNvPr id="5" name="図 4"/>
+          <p:cNvPicPr>
+            <a:picLocks noChangeAspect="1"/>
+          </p:cNvPicPr>
           <p:nvPr/>
-        </p:nvSpPr>
+        </p:nvPicPr>
+        <p:blipFill>
+          <a:blip r:embed="rId3">
+            <a:extLst>
+              <a:ext uri="{28A0092B-C50C-407E-A947-70E740481C1C}">
+                <a14:useLocalDpi xmlns:a14="http://schemas.microsoft.com/office/drawing/2010/main" val="0"/>
+              </a:ext>
+            </a:extLst>
+          </a:blip>
+          <a:stretch>
+            <a:fillRect/>
+          </a:stretch>
+        </p:blipFill>
         <p:spPr>
           <a:xfrm>
-            <a:off x="4046706" y="2383276"/>
-            <a:ext cx="379379" cy="136187"/>
+            <a:off x="6352574" y="1314269"/>
+            <a:ext cx="4963443" cy="4849177"/>
           </a:xfrm>
           <a:prstGeom prst="rect">
             <a:avLst/>
           </a:prstGeom>
-          <a:solidFill>
-            <a:schemeClr val="tx1"/>
-          </a:solidFill>
         </p:spPr>
-        <p:style>
-          <a:lnRef idx="2">
-            <a:schemeClr val="accent1">
-              <a:shade val="50000"/>
-            </a:schemeClr>
-          </a:lnRef>
-          <a:fillRef idx="1">
-            <a:schemeClr val="accent1"/>
-          </a:fillRef>
-          <a:effectRef idx="0">
-            <a:schemeClr val="accent1"/>
-          </a:effectRef>
-          <a:fontRef idx="minor">
-            <a:schemeClr val="lt1"/>
-          </a:fontRef>
-        </p:style>
-        <p:txBody>
-          <a:bodyPr rtlCol="0" anchor="ctr"/>
-          <a:lstStyle/>
-          <a:p>
-            <a:pPr algn="ctr"/>
-            <a:endParaRPr kumimoji="1" lang="ja-JP" altLang="en-US"/>
-          </a:p>
-        </p:txBody>
-      </p:sp>
-      <p:sp>
-        <p:nvSpPr>
-          <p:cNvPr id="12" name="正方形/長方形 11"/>
-          <p:cNvSpPr/>
-          <p:nvPr/>
-        </p:nvSpPr>
-        <p:spPr>
-          <a:xfrm>
-            <a:off x="4140740" y="2973420"/>
-            <a:ext cx="379379" cy="136187"/>
-          </a:xfrm>
-          <a:prstGeom prst="rect">
-            <a:avLst/>
-          </a:prstGeom>
-          <a:solidFill>
-            <a:schemeClr val="tx1"/>
-          </a:solidFill>
-        </p:spPr>
-        <p:style>
-          <a:lnRef idx="2">
-            <a:schemeClr val="accent1">
-              <a:shade val="50000"/>
-            </a:schemeClr>
-          </a:lnRef>
-          <a:fillRef idx="1">
-            <a:schemeClr val="accent1"/>
-          </a:fillRef>
-          <a:effectRef idx="0">
-            <a:schemeClr val="accent1"/>
-          </a:effectRef>
-          <a:fontRef idx="minor">
-            <a:schemeClr val="lt1"/>
-          </a:fontRef>
-        </p:style>
-        <p:txBody>
-          <a:bodyPr rtlCol="0" anchor="ctr"/>
-          <a:lstStyle/>
-          <a:p>
-            <a:pPr algn="ctr"/>
-            <a:endParaRPr kumimoji="1" lang="ja-JP" altLang="en-US"/>
-          </a:p>
-        </p:txBody>
-      </p:sp>
+      </p:pic>
     </p:spTree>
     <p:extLst>
       <p:ext uri="{BB962C8B-B14F-4D97-AF65-F5344CB8AC3E}">
-        <p14:creationId xmlns:p14="http://schemas.microsoft.com/office/powerpoint/2010/main" val="2588510157"/>
+        <p14:creationId xmlns:p14="http://schemas.microsoft.com/office/powerpoint/2010/main" val="1872107866"/>
       </p:ext>
     </p:extLst>
   </p:cSld>
@@ -8542,7 +8801,7 @@
           <a:p>
             <a:r>
               <a:rPr kumimoji="1" lang="ja-JP" altLang="en-US" dirty="0" smtClean="0"/>
-              <a:t>アプリ利用のメリット</a:t>
+              <a:t>アプリの説明</a:t>
             </a:r>
             <a:endParaRPr kumimoji="1" lang="ja-JP" altLang="en-US" dirty="0"/>
           </a:p>
@@ -8560,89 +8819,106 @@
         </p:nvSpPr>
         <p:spPr/>
         <p:txBody>
-          <a:bodyPr>
-            <a:normAutofit/>
-          </a:bodyPr>
+          <a:bodyPr/>
           <a:lstStyle/>
           <a:p>
             <a:r>
+              <a:rPr kumimoji="1" lang="ja-JP" altLang="en-US" dirty="0" smtClean="0"/>
+              <a:t>どんなアプリ？</a:t>
+            </a:r>
+            <a:endParaRPr kumimoji="1" lang="en-US" altLang="ja-JP" dirty="0" smtClean="0"/>
+          </a:p>
+          <a:p>
+            <a:pPr marL="457200" lvl="1" indent="0">
+              <a:buNone/>
+            </a:pPr>
+            <a:r>
+              <a:rPr lang="ja-JP" altLang="en-US" sz="1800" dirty="0" smtClean="0"/>
+              <a:t>→　</a:t>
+            </a:r>
+            <a:r>
+              <a:rPr lang="ja-JP" altLang="en-US" sz="1800" dirty="0" smtClean="0"/>
+              <a:t>散歩</a:t>
+            </a:r>
+            <a:r>
+              <a:rPr lang="en-US" altLang="ja-JP" sz="1800" dirty="0" smtClean="0"/>
+              <a:t>()</a:t>
+            </a:r>
+            <a:r>
+              <a:rPr lang="ja-JP" altLang="en-US" sz="1800" dirty="0" smtClean="0"/>
+              <a:t>を</a:t>
+            </a:r>
+            <a:r>
+              <a:rPr lang="ja-JP" altLang="en-US" sz="1800" dirty="0" smtClean="0"/>
+              <a:t>補助してくれます</a:t>
+            </a:r>
+            <a:endParaRPr lang="en-US" altLang="ja-JP" sz="1800" dirty="0" smtClean="0"/>
+          </a:p>
+          <a:p>
+            <a:endParaRPr lang="en-US" altLang="ja-JP" dirty="0"/>
+          </a:p>
+          <a:p>
+            <a:r>
+              <a:rPr kumimoji="1" lang="ja-JP" altLang="en-US" dirty="0" smtClean="0"/>
+              <a:t>どんな機能があるの？</a:t>
+            </a:r>
+            <a:endParaRPr kumimoji="1" lang="en-US" altLang="ja-JP" dirty="0" smtClean="0"/>
+          </a:p>
+          <a:p>
+            <a:pPr marL="0" indent="0">
+              <a:buNone/>
+            </a:pPr>
+            <a:r>
+              <a:rPr kumimoji="1" lang="en-US" altLang="ja-JP" dirty="0" smtClean="0"/>
+              <a:t>	</a:t>
+            </a:r>
+            <a:r>
+              <a:rPr lang="ja-JP" altLang="en-US" dirty="0"/>
+              <a:t>・</a:t>
+            </a:r>
+            <a:r>
+              <a:rPr kumimoji="1" lang="ja-JP" altLang="en-US" dirty="0" smtClean="0"/>
+              <a:t>現在の時刻・緯度・経度を教えてくれます</a:t>
+            </a:r>
+            <a:endParaRPr kumimoji="1" lang="en-US" altLang="ja-JP" dirty="0" smtClean="0"/>
+          </a:p>
+          <a:p>
+            <a:pPr marL="0" indent="0">
+              <a:buNone/>
+            </a:pPr>
+            <a:r>
+              <a:rPr lang="en-US" altLang="ja-JP" dirty="0"/>
+              <a:t>	</a:t>
+            </a:r>
+            <a:r>
+              <a:rPr lang="ja-JP" altLang="en-US" dirty="0"/>
+              <a:t>・現在の時刻・緯度・経度を保存できます</a:t>
+            </a:r>
+          </a:p>
+          <a:p>
+            <a:pPr marL="0" indent="0">
+              <a:buNone/>
+            </a:pPr>
+            <a:r>
+              <a:rPr lang="en-US" altLang="ja-JP" dirty="0" smtClean="0"/>
+              <a:t>	</a:t>
+            </a:r>
+            <a:r>
               <a:rPr lang="ja-JP" altLang="en-US" dirty="0" smtClean="0"/>
-              <a:t>メリット</a:t>
-            </a:r>
-            <a:endParaRPr lang="en-US" altLang="ja-JP" dirty="0" smtClean="0"/>
-          </a:p>
-          <a:p>
-            <a:pPr lvl="1"/>
+              <a:t>・スタート地点からの移動距離・かかった時間・平均時速を教えて</a:t>
+            </a:r>
             <a:r>
               <a:rPr lang="ja-JP" altLang="en-US" dirty="0" smtClean="0"/>
-              <a:t>方角がわかる　→　散歩中に迷子になりにくい</a:t>
-            </a:r>
-            <a:endParaRPr lang="en-US" altLang="ja-JP" dirty="0" smtClean="0"/>
-          </a:p>
-          <a:p>
-            <a:pPr lvl="1"/>
-            <a:r>
-              <a:rPr kumimoji="1" lang="ja-JP" altLang="en-US" dirty="0" smtClean="0"/>
-              <a:t>どこまで行ったか保存できる　→　</a:t>
-            </a:r>
-            <a:r>
-              <a:rPr lang="ja-JP" altLang="en-US" dirty="0" smtClean="0"/>
-              <a:t>家に帰ってから地図でゆっくり確認できる</a:t>
-            </a:r>
-            <a:endParaRPr kumimoji="1" lang="en-US" altLang="ja-JP" dirty="0" smtClean="0"/>
-          </a:p>
-          <a:p>
-            <a:pPr lvl="1"/>
-            <a:r>
-              <a:rPr lang="ja-JP" altLang="en-US" dirty="0" smtClean="0"/>
-              <a:t>距離・時間・速度の計算までやってくれる　→　手間が省ける</a:t>
-            </a:r>
-            <a:endParaRPr lang="en-US" altLang="ja-JP" dirty="0" smtClean="0"/>
-          </a:p>
-          <a:p>
-            <a:endParaRPr kumimoji="1" lang="en-US" altLang="ja-JP" dirty="0"/>
-          </a:p>
-          <a:p>
-            <a:r>
-              <a:rPr lang="ja-JP" altLang="en-US" dirty="0" smtClean="0"/>
-              <a:t>誰がメリットを受けられるの？</a:t>
-            </a:r>
-            <a:endParaRPr lang="en-US" altLang="ja-JP" dirty="0" smtClean="0"/>
-          </a:p>
-          <a:p>
-            <a:pPr lvl="1"/>
-            <a:r>
-              <a:rPr kumimoji="1" lang="ja-JP" altLang="en-US" dirty="0"/>
-              <a:t>個人的</a:t>
-            </a:r>
-            <a:r>
-              <a:rPr kumimoji="1" lang="ja-JP" altLang="en-US" dirty="0" smtClean="0"/>
-              <a:t>なアプリなので主に</a:t>
-            </a:r>
-            <a:r>
-              <a:rPr kumimoji="1" lang="en-US" altLang="ja-JP" dirty="0" smtClean="0"/>
-              <a:t>”</a:t>
-            </a:r>
-            <a:r>
-              <a:rPr kumimoji="1" lang="ja-JP" altLang="en-US" dirty="0" smtClean="0"/>
-              <a:t>私</a:t>
-            </a:r>
-            <a:r>
-              <a:rPr kumimoji="1" lang="en-US" altLang="ja-JP" dirty="0" smtClean="0"/>
-              <a:t>”</a:t>
-            </a:r>
-            <a:r>
-              <a:rPr kumimoji="1" lang="ja-JP" altLang="en-US" dirty="0" err="1" smtClean="0"/>
-              <a:t>です</a:t>
-            </a:r>
-            <a:endParaRPr kumimoji="1" lang="en-US" altLang="ja-JP" dirty="0" smtClean="0"/>
+              <a:t>くれます</a:t>
+            </a:r>
+            <a:endParaRPr lang="ja-JP" altLang="en-US" dirty="0" smtClean="0"/>
           </a:p>
         </p:txBody>
       </p:sp>
     </p:spTree>
     <p:extLst>
       <p:ext uri="{BB962C8B-B14F-4D97-AF65-F5344CB8AC3E}">
-        <p14:creationId xmlns:p14="http://schemas.microsoft.com/office/powerpoint/2010/main" val="4087008013"/>
+        <p14:creationId xmlns:p14="http://schemas.microsoft.com/office/powerpoint/2010/main" val="4168491294"/>
       </p:ext>
     </p:extLst>
   </p:cSld>
@@ -8676,133 +8952,125 @@
           <a:chExt cx="0" cy="0"/>
         </a:xfrm>
       </p:grpSpPr>
-      <p:sp>
-        <p:nvSpPr>
-          <p:cNvPr id="2" name="タイトル 1"/>
-          <p:cNvSpPr>
-            <a:spLocks noGrp="1"/>
-          </p:cNvSpPr>
-          <p:nvPr>
-            <p:ph type="title"/>
-          </p:nvPr>
-        </p:nvSpPr>
-        <p:spPr/>
-        <p:txBody>
-          <a:bodyPr/>
+      <p:pic>
+        <p:nvPicPr>
+          <p:cNvPr id="7" name="コンテンツ プレースホルダー 6"/>
+          <p:cNvPicPr>
+            <a:picLocks noGrp="1" noChangeAspect="1"/>
+          </p:cNvPicPr>
+          <p:nvPr>
+            <p:ph idx="1"/>
+          </p:nvPr>
+        </p:nvPicPr>
+        <p:blipFill>
+          <a:blip r:embed="rId2">
+            <a:extLst>
+              <a:ext uri="{28A0092B-C50C-407E-A947-70E740481C1C}">
+                <a14:useLocalDpi xmlns:a14="http://schemas.microsoft.com/office/drawing/2010/main" val="0"/>
+              </a:ext>
+            </a:extLst>
+          </a:blip>
+          <a:stretch>
+            <a:fillRect/>
+          </a:stretch>
+        </p:blipFill>
+        <p:spPr>
+          <a:xfrm>
+            <a:off x="2083633" y="920675"/>
+            <a:ext cx="7985880" cy="4991175"/>
+          </a:xfrm>
+        </p:spPr>
+      </p:pic>
+      <p:sp>
+        <p:nvSpPr>
+          <p:cNvPr id="11" name="正方形/長方形 10"/>
+          <p:cNvSpPr/>
+          <p:nvPr/>
+        </p:nvSpPr>
+        <p:spPr>
+          <a:xfrm>
+            <a:off x="4046706" y="2383276"/>
+            <a:ext cx="379379" cy="136187"/>
+          </a:xfrm>
+          <a:prstGeom prst="rect">
+            <a:avLst/>
+          </a:prstGeom>
+          <a:solidFill>
+            <a:schemeClr val="tx1"/>
+          </a:solidFill>
+        </p:spPr>
+        <p:style>
+          <a:lnRef idx="2">
+            <a:schemeClr val="accent1">
+              <a:shade val="50000"/>
+            </a:schemeClr>
+          </a:lnRef>
+          <a:fillRef idx="1">
+            <a:schemeClr val="accent1"/>
+          </a:fillRef>
+          <a:effectRef idx="0">
+            <a:schemeClr val="accent1"/>
+          </a:effectRef>
+          <a:fontRef idx="minor">
+            <a:schemeClr val="lt1"/>
+          </a:fontRef>
+        </p:style>
+        <p:txBody>
+          <a:bodyPr rtlCol="0" anchor="ctr"/>
           <a:lstStyle/>
           <a:p>
-            <a:r>
-              <a:rPr kumimoji="1" lang="ja-JP" altLang="en-US" dirty="0" smtClean="0"/>
-              <a:t>技術面：</a:t>
-            </a:r>
-            <a:r>
-              <a:rPr kumimoji="1" lang="en-US" altLang="ja-JP" dirty="0" smtClean="0"/>
-              <a:t/>
-            </a:r>
-            <a:br>
-              <a:rPr kumimoji="1" lang="en-US" altLang="ja-JP" dirty="0" smtClean="0"/>
-            </a:br>
-            <a:r>
-              <a:rPr kumimoji="1" lang="ja-JP" altLang="en-US" dirty="0" smtClean="0"/>
-              <a:t>用いているテクノロジ</a:t>
-            </a:r>
-            <a:endParaRPr kumimoji="1" lang="ja-JP" altLang="en-US" dirty="0"/>
-          </a:p>
-        </p:txBody>
-      </p:sp>
-      <p:sp>
-        <p:nvSpPr>
-          <p:cNvPr id="3" name="コンテンツ プレースホルダー 2"/>
-          <p:cNvSpPr>
-            <a:spLocks noGrp="1"/>
-          </p:cNvSpPr>
-          <p:nvPr>
-            <p:ph idx="1"/>
-          </p:nvPr>
-        </p:nvSpPr>
-        <p:spPr/>
-        <p:txBody>
-          <a:bodyPr/>
+            <a:pPr algn="ctr"/>
+            <a:endParaRPr kumimoji="1" lang="ja-JP" altLang="en-US"/>
+          </a:p>
+        </p:txBody>
+      </p:sp>
+      <p:sp>
+        <p:nvSpPr>
+          <p:cNvPr id="12" name="正方形/長方形 11"/>
+          <p:cNvSpPr/>
+          <p:nvPr/>
+        </p:nvSpPr>
+        <p:spPr>
+          <a:xfrm>
+            <a:off x="4140740" y="2973420"/>
+            <a:ext cx="379379" cy="136187"/>
+          </a:xfrm>
+          <a:prstGeom prst="rect">
+            <a:avLst/>
+          </a:prstGeom>
+          <a:solidFill>
+            <a:schemeClr val="tx1"/>
+          </a:solidFill>
+        </p:spPr>
+        <p:style>
+          <a:lnRef idx="2">
+            <a:schemeClr val="accent1">
+              <a:shade val="50000"/>
+            </a:schemeClr>
+          </a:lnRef>
+          <a:fillRef idx="1">
+            <a:schemeClr val="accent1"/>
+          </a:fillRef>
+          <a:effectRef idx="0">
+            <a:schemeClr val="accent1"/>
+          </a:effectRef>
+          <a:fontRef idx="minor">
+            <a:schemeClr val="lt1"/>
+          </a:fontRef>
+        </p:style>
+        <p:txBody>
+          <a:bodyPr rtlCol="0" anchor="ctr"/>
           <a:lstStyle/>
           <a:p>
-            <a:r>
-              <a:rPr kumimoji="1" lang="ja-JP" altLang="en-US" dirty="0" smtClean="0"/>
-              <a:t>現在地の緯度・経度の取得</a:t>
-            </a:r>
-            <a:endParaRPr kumimoji="1" lang="en-US" altLang="ja-JP" dirty="0" smtClean="0"/>
-          </a:p>
-          <a:p>
-            <a:pPr lvl="1"/>
-            <a:r>
-              <a:rPr lang="ja-JP" altLang="en-US" dirty="0" smtClean="0"/>
-              <a:t>位置情報プロバイダからの取得</a:t>
-            </a:r>
-            <a:endParaRPr lang="en-US" altLang="ja-JP" dirty="0" smtClean="0"/>
-          </a:p>
-          <a:p>
-            <a:pPr lvl="1"/>
-            <a:r>
-              <a:rPr lang="en-US" altLang="ja-JP" dirty="0" smtClean="0"/>
-              <a:t>GPS</a:t>
-            </a:r>
-            <a:r>
-              <a:rPr lang="ja-JP" altLang="en-US" dirty="0" smtClean="0"/>
-              <a:t>ほどの精度はない</a:t>
-            </a:r>
-            <a:endParaRPr lang="en-US" altLang="ja-JP" dirty="0" smtClean="0"/>
-          </a:p>
-          <a:p>
-            <a:pPr lvl="1"/>
-            <a:r>
-              <a:rPr lang="ja-JP" altLang="en-US" dirty="0" smtClean="0"/>
-              <a:t>本アプリにはそこまでの精度が必要でないだろう</a:t>
-            </a:r>
-            <a:endParaRPr lang="en-US" altLang="ja-JP" dirty="0" smtClean="0"/>
-          </a:p>
-          <a:p>
-            <a:endParaRPr lang="en-US" altLang="ja-JP" dirty="0"/>
-          </a:p>
-          <a:p>
-            <a:r>
-              <a:rPr kumimoji="1" lang="ja-JP" altLang="en-US" dirty="0" smtClean="0"/>
-              <a:t>コンパスの表示</a:t>
-            </a:r>
-            <a:endParaRPr kumimoji="1" lang="en-US" altLang="ja-JP" dirty="0" smtClean="0"/>
-          </a:p>
-          <a:p>
-            <a:pPr lvl="1"/>
-            <a:r>
-              <a:rPr lang="ja-JP" altLang="en-US" dirty="0" smtClean="0"/>
-              <a:t>方位センサーの利用</a:t>
-            </a:r>
-            <a:endParaRPr lang="en-US" altLang="ja-JP" dirty="0" smtClean="0"/>
-          </a:p>
-          <a:p>
-            <a:pPr lvl="1"/>
-            <a:r>
-              <a:rPr lang="ja-JP" altLang="en-US" dirty="0" smtClean="0"/>
-              <a:t>コンパス画像</a:t>
-            </a:r>
-            <a:endParaRPr lang="en-US" altLang="ja-JP" dirty="0" smtClean="0"/>
-          </a:p>
-          <a:p>
-            <a:pPr lvl="1"/>
-            <a:r>
-              <a:rPr kumimoji="1" lang="en-US" altLang="ja-JP" dirty="0" err="1" smtClean="0"/>
-              <a:t>SurfaceView</a:t>
-            </a:r>
-            <a:r>
-              <a:rPr kumimoji="1" lang="ja-JP" altLang="en-US" dirty="0" smtClean="0"/>
-              <a:t>を用い、常に北を向くように表示</a:t>
-            </a:r>
-            <a:endParaRPr kumimoji="1" lang="ja-JP" altLang="en-US" dirty="0"/>
+            <a:pPr algn="ctr"/>
+            <a:endParaRPr kumimoji="1" lang="ja-JP" altLang="en-US"/>
           </a:p>
         </p:txBody>
       </p:sp>
     </p:spTree>
     <p:extLst>
       <p:ext uri="{BB962C8B-B14F-4D97-AF65-F5344CB8AC3E}">
-        <p14:creationId xmlns:p14="http://schemas.microsoft.com/office/powerpoint/2010/main" val="3981394636"/>
+        <p14:creationId xmlns:p14="http://schemas.microsoft.com/office/powerpoint/2010/main" val="2588510157"/>
       </p:ext>
     </p:extLst>
   </p:cSld>
@@ -8853,125 +9121,107 @@
           <a:p>
             <a:r>
               <a:rPr kumimoji="1" lang="ja-JP" altLang="en-US" dirty="0" smtClean="0"/>
-              <a:t>デモンストレーション</a:t>
+              <a:t>アプリ利用のメリット</a:t>
             </a:r>
             <a:endParaRPr kumimoji="1" lang="ja-JP" altLang="en-US" dirty="0"/>
           </a:p>
         </p:txBody>
       </p:sp>
-      <p:pic>
-        <p:nvPicPr>
-          <p:cNvPr id="6" name="コンテンツ プレースホルダー 5"/>
-          <p:cNvPicPr>
-            <a:picLocks noGrp="1" noChangeAspect="1"/>
-          </p:cNvPicPr>
+      <p:sp>
+        <p:nvSpPr>
+          <p:cNvPr id="3" name="コンテンツ プレースホルダー 2"/>
+          <p:cNvSpPr>
+            <a:spLocks noGrp="1"/>
+          </p:cNvSpPr>
           <p:nvPr>
             <p:ph idx="1"/>
           </p:nvPr>
-        </p:nvPicPr>
-        <p:blipFill>
-          <a:blip r:embed="rId2">
-            <a:extLst>
-              <a:ext uri="{28A0092B-C50C-407E-A947-70E740481C1C}">
-                <a14:useLocalDpi xmlns:a14="http://schemas.microsoft.com/office/drawing/2010/main" val="0"/>
-              </a:ext>
-            </a:extLst>
-          </a:blip>
-          <a:stretch>
-            <a:fillRect/>
-          </a:stretch>
-        </p:blipFill>
-        <p:spPr>
-          <a:xfrm>
-            <a:off x="2470826" y="1402215"/>
-            <a:ext cx="7199853" cy="4499908"/>
-          </a:xfrm>
-        </p:spPr>
-      </p:pic>
-      <p:sp>
-        <p:nvSpPr>
-          <p:cNvPr id="7" name="正方形/長方形 6"/>
-          <p:cNvSpPr/>
-          <p:nvPr/>
-        </p:nvSpPr>
-        <p:spPr>
-          <a:xfrm>
-            <a:off x="4243885" y="2722016"/>
-            <a:ext cx="347572" cy="124452"/>
-          </a:xfrm>
-          <a:prstGeom prst="rect">
-            <a:avLst/>
-          </a:prstGeom>
-        </p:spPr>
-        <p:style>
-          <a:lnRef idx="2">
-            <a:schemeClr val="accent1">
-              <a:shade val="50000"/>
-            </a:schemeClr>
-          </a:lnRef>
-          <a:fillRef idx="1">
-            <a:schemeClr val="accent1"/>
-          </a:fillRef>
-          <a:effectRef idx="0">
-            <a:schemeClr val="accent1"/>
-          </a:effectRef>
-          <a:fontRef idx="minor">
-            <a:schemeClr val="lt1"/>
-          </a:fontRef>
-        </p:style>
-        <p:txBody>
-          <a:bodyPr rtlCol="0" anchor="ctr"/>
+        </p:nvSpPr>
+        <p:spPr/>
+        <p:txBody>
+          <a:bodyPr>
+            <a:normAutofit/>
+          </a:bodyPr>
           <a:lstStyle/>
           <a:p>
-            <a:pPr algn="ctr"/>
-            <a:endParaRPr kumimoji="1" lang="ja-JP" altLang="en-US"/>
-          </a:p>
-        </p:txBody>
-      </p:sp>
-      <p:sp>
-        <p:nvSpPr>
-          <p:cNvPr id="8" name="正方形/長方形 7"/>
-          <p:cNvSpPr/>
-          <p:nvPr/>
-        </p:nvSpPr>
-        <p:spPr>
-          <a:xfrm>
-            <a:off x="4319080" y="3248775"/>
-            <a:ext cx="350197" cy="146178"/>
-          </a:xfrm>
-          <a:prstGeom prst="rect">
-            <a:avLst/>
-          </a:prstGeom>
-        </p:spPr>
-        <p:style>
-          <a:lnRef idx="2">
-            <a:schemeClr val="accent1">
-              <a:shade val="50000"/>
-            </a:schemeClr>
-          </a:lnRef>
-          <a:fillRef idx="1">
-            <a:schemeClr val="accent1"/>
-          </a:fillRef>
-          <a:effectRef idx="0">
-            <a:schemeClr val="accent1"/>
-          </a:effectRef>
-          <a:fontRef idx="minor">
-            <a:schemeClr val="lt1"/>
-          </a:fontRef>
-        </p:style>
-        <p:txBody>
-          <a:bodyPr rtlCol="0" anchor="ctr"/>
-          <a:lstStyle/>
-          <a:p>
-            <a:pPr algn="ctr"/>
-            <a:endParaRPr kumimoji="1" lang="ja-JP" altLang="en-US"/>
+            <a:r>
+              <a:rPr lang="ja-JP" altLang="en-US" dirty="0" smtClean="0"/>
+              <a:t>メリット</a:t>
+            </a:r>
+            <a:endParaRPr lang="en-US" altLang="ja-JP" dirty="0" smtClean="0"/>
+          </a:p>
+          <a:p>
+            <a:pPr lvl="1"/>
+            <a:r>
+              <a:rPr lang="ja-JP" altLang="en-US" dirty="0" smtClean="0"/>
+              <a:t>方角がわかる　→　散歩中に迷子になりにくい</a:t>
+            </a:r>
+            <a:endParaRPr lang="en-US" altLang="ja-JP" dirty="0" smtClean="0"/>
+          </a:p>
+          <a:p>
+            <a:pPr lvl="1"/>
+            <a:r>
+              <a:rPr kumimoji="1" lang="ja-JP" altLang="en-US" dirty="0" smtClean="0"/>
+              <a:t>どこまで行ったか保存できる　→　</a:t>
+            </a:r>
+            <a:r>
+              <a:rPr lang="ja-JP" altLang="en-US" dirty="0" smtClean="0"/>
+              <a:t>家に帰ってから地図でゆっくり確認できる</a:t>
+            </a:r>
+            <a:endParaRPr kumimoji="1" lang="en-US" altLang="ja-JP" dirty="0" smtClean="0"/>
+          </a:p>
+          <a:p>
+            <a:pPr lvl="1"/>
+            <a:r>
+              <a:rPr lang="ja-JP" altLang="en-US" dirty="0" smtClean="0"/>
+              <a:t>距離・時間・速度の計算までやってくれる　→　手間が省ける</a:t>
+            </a:r>
+            <a:endParaRPr lang="en-US" altLang="ja-JP" dirty="0" smtClean="0"/>
+          </a:p>
+          <a:p>
+            <a:endParaRPr kumimoji="1" lang="en-US" altLang="ja-JP" dirty="0"/>
+          </a:p>
+          <a:p>
+            <a:r>
+              <a:rPr lang="ja-JP" altLang="en-US" dirty="0" smtClean="0"/>
+              <a:t>誰がメリットを受けられるの？</a:t>
+            </a:r>
+            <a:endParaRPr lang="en-US" altLang="ja-JP" dirty="0" smtClean="0"/>
+          </a:p>
+          <a:p>
+            <a:pPr lvl="1"/>
+            <a:r>
+              <a:rPr kumimoji="1" lang="ja-JP" altLang="en-US" dirty="0"/>
+              <a:t>個人的</a:t>
+            </a:r>
+            <a:r>
+              <a:rPr kumimoji="1" lang="ja-JP" altLang="en-US" dirty="0" smtClean="0"/>
+              <a:t>なアプリなので主に</a:t>
+            </a:r>
+            <a:r>
+              <a:rPr kumimoji="1" lang="en-US" altLang="ja-JP" dirty="0" smtClean="0"/>
+              <a:t>”</a:t>
+            </a:r>
+            <a:r>
+              <a:rPr kumimoji="1" lang="ja-JP" altLang="en-US" dirty="0" smtClean="0"/>
+              <a:t>私</a:t>
+            </a:r>
+            <a:r>
+              <a:rPr kumimoji="1" lang="en-US" altLang="ja-JP" dirty="0" smtClean="0"/>
+              <a:t>”</a:t>
+            </a:r>
+            <a:r>
+              <a:rPr kumimoji="1" lang="ja-JP" altLang="en-US" dirty="0" err="1" smtClean="0"/>
+              <a:t>です</a:t>
+            </a:r>
+            <a:endParaRPr kumimoji="1" lang="en-US" altLang="ja-JP" dirty="0" smtClean="0"/>
           </a:p>
         </p:txBody>
       </p:sp>
     </p:spTree>
     <p:extLst>
       <p:ext uri="{BB962C8B-B14F-4D97-AF65-F5344CB8AC3E}">
-        <p14:creationId xmlns:p14="http://schemas.microsoft.com/office/powerpoint/2010/main" val="2272311046"/>
+        <p14:creationId xmlns:p14="http://schemas.microsoft.com/office/powerpoint/2010/main" val="4087008013"/>
       </p:ext>
     </p:extLst>
   </p:cSld>
@@ -9021,8 +9271,19 @@
           <a:lstStyle/>
           <a:p>
             <a:r>
-              <a:rPr lang="ja-JP" altLang="en-US" dirty="0"/>
-              <a:t>感想</a:t>
+              <a:rPr kumimoji="1" lang="ja-JP" altLang="en-US" dirty="0" smtClean="0"/>
+              <a:t>技術面：</a:t>
+            </a:r>
+            <a:r>
+              <a:rPr kumimoji="1" lang="en-US" altLang="ja-JP" dirty="0" smtClean="0"/>
+              <a:t/>
+            </a:r>
+            <a:br>
+              <a:rPr kumimoji="1" lang="en-US" altLang="ja-JP" dirty="0" smtClean="0"/>
+            </a:br>
+            <a:r>
+              <a:rPr kumimoji="1" lang="ja-JP" altLang="en-US" dirty="0" smtClean="0"/>
+              <a:t>用いているテクノロジ</a:t>
             </a:r>
             <a:endParaRPr kumimoji="1" lang="ja-JP" altLang="en-US" dirty="0"/>
           </a:p>
@@ -9045,100 +9306,73 @@
           <a:p>
             <a:r>
               <a:rPr kumimoji="1" lang="ja-JP" altLang="en-US" dirty="0" smtClean="0"/>
-              <a:t>初めて</a:t>
-            </a:r>
-            <a:r>
-              <a:rPr kumimoji="1" lang="en-US" altLang="ja-JP" dirty="0" smtClean="0"/>
-              <a:t>Android</a:t>
-            </a:r>
-            <a:r>
-              <a:rPr kumimoji="1" lang="ja-JP" altLang="en-US" dirty="0" smtClean="0"/>
-              <a:t>アプリなので個人的に</a:t>
-            </a:r>
+              <a:t>現在地の緯度・経度の取得</a:t>
+            </a:r>
+            <a:endParaRPr kumimoji="1" lang="en-US" altLang="ja-JP" dirty="0" smtClean="0"/>
+          </a:p>
+          <a:p>
+            <a:pPr lvl="1"/>
             <a:r>
               <a:rPr lang="ja-JP" altLang="en-US" dirty="0" smtClean="0"/>
-              <a:t>欲しいものを作成した</a:t>
+              <a:t>位置情報プロバイダからの取得</a:t>
             </a:r>
             <a:endParaRPr lang="en-US" altLang="ja-JP" dirty="0" smtClean="0"/>
           </a:p>
           <a:p>
             <a:pPr lvl="1"/>
-            <a:r>
-              <a:rPr lang="ja-JP" altLang="en-US" dirty="0" smtClean="0"/>
-              <a:t>能力不足のため製作物を変更してしまったのが悔やまれる</a:t>
-            </a:r>
-            <a:endParaRPr lang="en-US" altLang="ja-JP" dirty="0" smtClean="0"/>
-          </a:p>
-          <a:p>
-            <a:pPr lvl="1"/>
-            <a:endParaRPr kumimoji="1" lang="en-US" altLang="ja-JP" dirty="0"/>
-          </a:p>
-          <a:p>
-            <a:r>
-              <a:rPr kumimoji="1" lang="ja-JP" altLang="en-US" dirty="0" smtClean="0"/>
-              <a:t>ネットワーク経由なので</a:t>
-            </a:r>
-            <a:r>
-              <a:rPr kumimoji="1" lang="en-US" altLang="ja-JP" dirty="0" err="1" smtClean="0"/>
-              <a:t>Wi-fi</a:t>
-            </a:r>
-            <a:r>
-              <a:rPr kumimoji="1" lang="ja-JP" altLang="en-US" dirty="0" smtClean="0"/>
-              <a:t>環境がないと使えない</a:t>
-            </a:r>
-            <a:endParaRPr kumimoji="1" lang="en-US" altLang="ja-JP" dirty="0" smtClean="0"/>
-          </a:p>
-          <a:p>
-            <a:pPr lvl="1"/>
-            <a:r>
-              <a:rPr lang="ja-JP" altLang="en-US" dirty="0" smtClean="0"/>
-              <a:t>使うにはテザリングか</a:t>
-            </a:r>
             <a:r>
               <a:rPr lang="en-US" altLang="ja-JP" dirty="0" smtClean="0"/>
               <a:t>GPS</a:t>
             </a:r>
             <a:r>
               <a:rPr lang="ja-JP" altLang="en-US" dirty="0" smtClean="0"/>
-              <a:t>の実装か</a:t>
-            </a:r>
-            <a:r>
-              <a:rPr lang="en-US" altLang="ja-JP" dirty="0" smtClean="0"/>
-              <a:t>…</a:t>
-            </a:r>
+              <a:t>ほどの精度はない</a:t>
+            </a:r>
+            <a:endParaRPr lang="en-US" altLang="ja-JP" dirty="0" smtClean="0"/>
           </a:p>
           <a:p>
             <a:pPr lvl="1"/>
+            <a:r>
+              <a:rPr lang="ja-JP" altLang="en-US" dirty="0" smtClean="0"/>
+              <a:t>本アプリにはそこまでの精度が必要でないだろう</a:t>
+            </a:r>
+            <a:endParaRPr lang="en-US" altLang="ja-JP" dirty="0" smtClean="0"/>
+          </a:p>
+          <a:p>
+            <a:endParaRPr lang="en-US" altLang="ja-JP" dirty="0"/>
+          </a:p>
+          <a:p>
+            <a:r>
+              <a:rPr kumimoji="1" lang="ja-JP" altLang="en-US" dirty="0" smtClean="0"/>
+              <a:t>コンパスの表示</a:t>
+            </a:r>
             <a:endParaRPr kumimoji="1" lang="en-US" altLang="ja-JP" dirty="0" smtClean="0"/>
           </a:p>
           <a:p>
+            <a:pPr lvl="1"/>
+            <a:r>
+              <a:rPr lang="ja-JP" altLang="en-US" dirty="0" smtClean="0"/>
+              <a:t>方位センサーの利用</a:t>
+            </a:r>
+            <a:endParaRPr lang="en-US" altLang="ja-JP" dirty="0" smtClean="0"/>
+          </a:p>
+          <a:p>
+            <a:pPr lvl="1"/>
+            <a:r>
+              <a:rPr lang="ja-JP" altLang="en-US" dirty="0" smtClean="0"/>
+              <a:t>コンパス画像</a:t>
+            </a:r>
+            <a:endParaRPr lang="en-US" altLang="ja-JP" dirty="0" smtClean="0"/>
+          </a:p>
+          <a:p>
+            <a:pPr lvl="1"/>
+            <a:r>
+              <a:rPr kumimoji="1" lang="en-US" altLang="ja-JP" dirty="0" err="1" smtClean="0"/>
+              <a:t>SurfaceView</a:t>
+            </a:r>
             <a:r>
               <a:rPr kumimoji="1" lang="ja-JP" altLang="en-US" dirty="0" smtClean="0"/>
-              <a:t>改良点（実際に使ってみて）</a:t>
-            </a:r>
-            <a:endParaRPr kumimoji="1" lang="en-US" altLang="ja-JP" dirty="0" smtClean="0"/>
-          </a:p>
-          <a:p>
-            <a:pPr lvl="1"/>
-            <a:r>
-              <a:rPr kumimoji="1" lang="ja-JP" altLang="en-US" dirty="0" smtClean="0"/>
-              <a:t>緯度経度が分かっても意味がない　→　住所 </a:t>
-            </a:r>
-            <a:r>
-              <a:rPr kumimoji="1" lang="en-US" altLang="ja-JP" dirty="0" smtClean="0"/>
-              <a:t>or </a:t>
-            </a:r>
-            <a:r>
-              <a:rPr kumimoji="1" lang="en-US" altLang="ja-JP" dirty="0" err="1" smtClean="0"/>
-              <a:t>GoogleMap</a:t>
-            </a:r>
-            <a:endParaRPr kumimoji="1" lang="en-US" altLang="ja-JP" dirty="0" smtClean="0"/>
-          </a:p>
-          <a:p>
-            <a:pPr lvl="1"/>
-            <a:r>
-              <a:rPr lang="ja-JP" altLang="en-US" dirty="0" smtClean="0"/>
-              <a:t>距離でなく道のりが欲しい　→　保存できる数の拡大など</a:t>
+              <a:t>を用い、常に北を向くように表示</a:t>
             </a:r>
             <a:endParaRPr kumimoji="1" lang="ja-JP" altLang="en-US" dirty="0"/>
           </a:p>
@@ -9147,7 +9381,7 @@
     </p:spTree>
     <p:extLst>
       <p:ext uri="{BB962C8B-B14F-4D97-AF65-F5344CB8AC3E}">
-        <p14:creationId xmlns:p14="http://schemas.microsoft.com/office/powerpoint/2010/main" val="1696713026"/>
+        <p14:creationId xmlns:p14="http://schemas.microsoft.com/office/powerpoint/2010/main" val="3981394636"/>
       </p:ext>
     </p:extLst>
   </p:cSld>
@@ -9191,49 +9425,132 @@
             <p:ph type="title"/>
           </p:nvPr>
         </p:nvSpPr>
+        <p:spPr/>
+        <p:txBody>
+          <a:bodyPr/>
+          <a:lstStyle/>
+          <a:p>
+            <a:r>
+              <a:rPr kumimoji="1" lang="ja-JP" altLang="en-US" dirty="0" smtClean="0"/>
+              <a:t>デモンストレーション</a:t>
+            </a:r>
+            <a:endParaRPr kumimoji="1" lang="ja-JP" altLang="en-US" dirty="0"/>
+          </a:p>
+        </p:txBody>
+      </p:sp>
+      <p:pic>
+        <p:nvPicPr>
+          <p:cNvPr id="6" name="コンテンツ プレースホルダー 5"/>
+          <p:cNvPicPr>
+            <a:picLocks noGrp="1" noChangeAspect="1"/>
+          </p:cNvPicPr>
+          <p:nvPr>
+            <p:ph idx="1"/>
+          </p:nvPr>
+        </p:nvPicPr>
+        <p:blipFill>
+          <a:blip r:embed="rId2">
+            <a:extLst>
+              <a:ext uri="{28A0092B-C50C-407E-A947-70E740481C1C}">
+                <a14:useLocalDpi xmlns:a14="http://schemas.microsoft.com/office/drawing/2010/main" val="0"/>
+              </a:ext>
+            </a:extLst>
+          </a:blip>
+          <a:stretch>
+            <a:fillRect/>
+          </a:stretch>
+        </p:blipFill>
         <p:spPr>
           <a:xfrm>
-            <a:off x="2032093" y="2306606"/>
-            <a:ext cx="8911687" cy="2058130"/>
+            <a:off x="2470826" y="1402215"/>
+            <a:ext cx="7199853" cy="4499908"/>
           </a:xfrm>
         </p:spPr>
-        <p:txBody>
-          <a:bodyPr>
-            <a:normAutofit/>
-          </a:bodyPr>
+      </p:pic>
+      <p:sp>
+        <p:nvSpPr>
+          <p:cNvPr id="7" name="正方形/長方形 6"/>
+          <p:cNvSpPr/>
+          <p:nvPr/>
+        </p:nvSpPr>
+        <p:spPr>
+          <a:xfrm>
+            <a:off x="4243885" y="2722016"/>
+            <a:ext cx="347572" cy="124452"/>
+          </a:xfrm>
+          <a:prstGeom prst="rect">
+            <a:avLst/>
+          </a:prstGeom>
+        </p:spPr>
+        <p:style>
+          <a:lnRef idx="2">
+            <a:schemeClr val="accent1">
+              <a:shade val="50000"/>
+            </a:schemeClr>
+          </a:lnRef>
+          <a:fillRef idx="1">
+            <a:schemeClr val="accent1"/>
+          </a:fillRef>
+          <a:effectRef idx="0">
+            <a:schemeClr val="accent1"/>
+          </a:effectRef>
+          <a:fontRef idx="minor">
+            <a:schemeClr val="lt1"/>
+          </a:fontRef>
+        </p:style>
+        <p:txBody>
+          <a:bodyPr rtlCol="0" anchor="ctr"/>
           <a:lstStyle/>
           <a:p>
             <a:pPr algn="ctr"/>
-            <a:r>
-              <a:rPr kumimoji="1" lang="ja-JP" altLang="en-US" dirty="0" smtClean="0"/>
-              <a:t>以上で発表を終わります。</a:t>
-            </a:r>
-            <a:r>
-              <a:rPr kumimoji="1" lang="en-US" altLang="ja-JP" dirty="0" smtClean="0"/>
-              <a:t/>
-            </a:r>
-            <a:br>
-              <a:rPr kumimoji="1" lang="en-US" altLang="ja-JP" dirty="0" smtClean="0"/>
-            </a:br>
-            <a:r>
-              <a:rPr kumimoji="1" lang="en-US" altLang="ja-JP" dirty="0" smtClean="0"/>
-              <a:t/>
-            </a:r>
-            <a:br>
-              <a:rPr kumimoji="1" lang="en-US" altLang="ja-JP" dirty="0" smtClean="0"/>
-            </a:br>
-            <a:r>
-              <a:rPr lang="ja-JP" altLang="en-US" dirty="0" smtClean="0"/>
-              <a:t>ご静聴ありがとうございました。</a:t>
-            </a:r>
-            <a:endParaRPr kumimoji="1" lang="ja-JP" altLang="en-US" dirty="0"/>
+            <a:endParaRPr kumimoji="1" lang="ja-JP" altLang="en-US"/>
+          </a:p>
+        </p:txBody>
+      </p:sp>
+      <p:sp>
+        <p:nvSpPr>
+          <p:cNvPr id="8" name="正方形/長方形 7"/>
+          <p:cNvSpPr/>
+          <p:nvPr/>
+        </p:nvSpPr>
+        <p:spPr>
+          <a:xfrm>
+            <a:off x="4319080" y="3248775"/>
+            <a:ext cx="350197" cy="146178"/>
+          </a:xfrm>
+          <a:prstGeom prst="rect">
+            <a:avLst/>
+          </a:prstGeom>
+        </p:spPr>
+        <p:style>
+          <a:lnRef idx="2">
+            <a:schemeClr val="accent1">
+              <a:shade val="50000"/>
+            </a:schemeClr>
+          </a:lnRef>
+          <a:fillRef idx="1">
+            <a:schemeClr val="accent1"/>
+          </a:fillRef>
+          <a:effectRef idx="0">
+            <a:schemeClr val="accent1"/>
+          </a:effectRef>
+          <a:fontRef idx="minor">
+            <a:schemeClr val="lt1"/>
+          </a:fontRef>
+        </p:style>
+        <p:txBody>
+          <a:bodyPr rtlCol="0" anchor="ctr"/>
+          <a:lstStyle/>
+          <a:p>
+            <a:pPr algn="ctr"/>
+            <a:endParaRPr kumimoji="1" lang="ja-JP" altLang="en-US"/>
           </a:p>
         </p:txBody>
       </p:sp>
     </p:spTree>
     <p:extLst>
       <p:ext uri="{BB962C8B-B14F-4D97-AF65-F5344CB8AC3E}">
-        <p14:creationId xmlns:p14="http://schemas.microsoft.com/office/powerpoint/2010/main" val="2281164256"/>
+        <p14:creationId xmlns:p14="http://schemas.microsoft.com/office/powerpoint/2010/main" val="2272311046"/>
       </p:ext>
     </p:extLst>
   </p:cSld>
